--- a/presentation/présentation2.pptx
+++ b/presentation/présentation2.pptx
@@ -219,7 +219,7 @@
           <a:p>
             <a:fld id="{09F55BE7-0936-42BD-88DD-8E631A439134}" type="datetimeFigureOut">
               <a:rPr lang="fr-FR" smtClean="0"/>
-              <a:t>22/10/2017</a:t>
+              <a:t>23/10/2017</a:t>
             </a:fld>
             <a:endParaRPr lang="fr-FR"/>
           </a:p>
@@ -570,6 +570,90 @@
 </p:notes>
 </file>
 
+<file path=ppt/notesSlides/notesSlide2.xml><?xml version="1.0" encoding="utf-8"?>
+<p:notes xmlns:a="http://schemas.openxmlformats.org/drawingml/2006/main" xmlns:r="http://schemas.openxmlformats.org/officeDocument/2006/relationships" xmlns:p="http://schemas.openxmlformats.org/presentationml/2006/main">
+  <p:cSld>
+    <p:spTree>
+      <p:nvGrpSpPr>
+        <p:cNvPr id="1" name=""/>
+        <p:cNvGrpSpPr/>
+        <p:nvPr/>
+      </p:nvGrpSpPr>
+      <p:grpSpPr>
+        <a:xfrm>
+          <a:off x="0" y="0"/>
+          <a:ext cx="0" cy="0"/>
+          <a:chOff x="0" y="0"/>
+          <a:chExt cx="0" cy="0"/>
+        </a:xfrm>
+      </p:grpSpPr>
+      <p:sp>
+        <p:nvSpPr>
+          <p:cNvPr id="2" name="Espace réservé de l'image des diapositives 1"/>
+          <p:cNvSpPr>
+            <a:spLocks noGrp="1" noRot="1" noChangeAspect="1"/>
+          </p:cNvSpPr>
+          <p:nvPr>
+            <p:ph type="sldImg"/>
+          </p:nvPr>
+        </p:nvSpPr>
+        <p:spPr/>
+      </p:sp>
+      <p:sp>
+        <p:nvSpPr>
+          <p:cNvPr id="3" name="Espace réservé des commentaires 2"/>
+          <p:cNvSpPr>
+            <a:spLocks noGrp="1"/>
+          </p:cNvSpPr>
+          <p:nvPr>
+            <p:ph type="body" idx="1"/>
+          </p:nvPr>
+        </p:nvSpPr>
+        <p:spPr/>
+        <p:txBody>
+          <a:bodyPr/>
+          <a:lstStyle/>
+          <a:p>
+            <a:endParaRPr lang="fr-FR"/>
+          </a:p>
+        </p:txBody>
+      </p:sp>
+      <p:sp>
+        <p:nvSpPr>
+          <p:cNvPr id="4" name="Espace réservé du numéro de diapositive 3"/>
+          <p:cNvSpPr>
+            <a:spLocks noGrp="1"/>
+          </p:cNvSpPr>
+          <p:nvPr>
+            <p:ph type="sldNum" sz="quarter" idx="10"/>
+          </p:nvPr>
+        </p:nvSpPr>
+        <p:spPr/>
+        <p:txBody>
+          <a:bodyPr/>
+          <a:lstStyle/>
+          <a:p>
+            <a:fld id="{4FECD745-472C-4121-89FC-B5D2F3529C45}" type="slidenum">
+              <a:rPr lang="fr-FR" smtClean="0"/>
+              <a:t>14</a:t>
+            </a:fld>
+            <a:endParaRPr lang="fr-FR"/>
+          </a:p>
+        </p:txBody>
+      </p:sp>
+    </p:spTree>
+    <p:extLst>
+      <p:ext uri="{BB962C8B-B14F-4D97-AF65-F5344CB8AC3E}">
+        <p14:creationId xmlns:p14="http://schemas.microsoft.com/office/powerpoint/2010/main" val="4121911603"/>
+      </p:ext>
+    </p:extLst>
+  </p:cSld>
+  <p:clrMapOvr>
+    <a:masterClrMapping/>
+  </p:clrMapOvr>
+</p:notes>
+</file>
+
 <file path=ppt/slideLayouts/slideLayout1.xml><?xml version="1.0" encoding="utf-8"?>
 <p:sldLayout xmlns:a="http://schemas.openxmlformats.org/drawingml/2006/main" xmlns:r="http://schemas.openxmlformats.org/officeDocument/2006/relationships" xmlns:p="http://schemas.openxmlformats.org/presentationml/2006/main" showMasterSp="0" type="title" preserve="1">
   <p:cSld name="Diapositive de titre">
@@ -1781,9 +1865,9 @@
             </a:lvl1pPr>
           </a:lstStyle>
           <a:p>
-            <a:fld id="{99609858-30D4-45AB-86DE-E614756CB182}" type="datetime1">
+            <a:fld id="{928C480C-42B4-41D8-A3D6-452CDB332997}" type="datetime1">
               <a:rPr lang="fr-FR" smtClean="0"/>
-              <a:t>22/10/2017</a:t>
+              <a:t>23/10/2017</a:t>
             </a:fld>
             <a:endParaRPr lang="fr-FR"/>
           </a:p>
@@ -2022,9 +2106,9 @@
           <a:bodyPr/>
           <a:lstStyle/>
           <a:p>
-            <a:fld id="{D844CA93-0BA0-464D-973C-09282D37B2AD}" type="datetime1">
+            <a:fld id="{13767B45-522B-4748-B914-2B18B43BE4BB}" type="datetime1">
               <a:rPr lang="fr-FR" smtClean="0"/>
-              <a:t>22/10/2017</a:t>
+              <a:t>23/10/2017</a:t>
             </a:fld>
             <a:endParaRPr lang="fr-FR"/>
           </a:p>
@@ -2202,9 +2286,9 @@
           <a:bodyPr/>
           <a:lstStyle/>
           <a:p>
-            <a:fld id="{C410D5A3-CD8E-4319-A00A-166318085CFA}" type="datetime1">
+            <a:fld id="{FB1E6605-5F39-42D9-BFB7-73F60E0E7D37}" type="datetime1">
               <a:rPr lang="fr-FR" smtClean="0"/>
-              <a:t>22/10/2017</a:t>
+              <a:t>23/10/2017</a:t>
             </a:fld>
             <a:endParaRPr lang="fr-FR"/>
           </a:p>
@@ -2376,9 +2460,9 @@
           <a:bodyPr/>
           <a:lstStyle/>
           <a:p>
-            <a:fld id="{8D8251DC-D010-4512-9E64-0AD1A731F3B7}" type="datetime1">
+            <a:fld id="{EA571A62-358B-40F8-8499-C2158B5F29CA}" type="datetime1">
               <a:rPr lang="fr-FR" smtClean="0"/>
-              <a:t>22/10/2017</a:t>
+              <a:t>23/10/2017</a:t>
             </a:fld>
             <a:endParaRPr lang="fr-FR"/>
           </a:p>
@@ -2649,9 +2733,9 @@
             </a:lvl1pPr>
           </a:lstStyle>
           <a:p>
-            <a:fld id="{3ADB3EEE-0573-422E-83EB-A17F75FA2A5D}" type="datetime1">
+            <a:fld id="{AC2FD5E1-B14A-401C-9A70-F68EE4CA8F24}" type="datetime1">
               <a:rPr lang="fr-FR" smtClean="0"/>
-              <a:t>22/10/2017</a:t>
+              <a:t>23/10/2017</a:t>
             </a:fld>
             <a:endParaRPr lang="fr-FR"/>
           </a:p>
@@ -3850,9 +3934,9 @@
           <a:bodyPr/>
           <a:lstStyle/>
           <a:p>
-            <a:fld id="{6E297C13-8A02-476A-BC32-9713B4BAFEC7}" type="datetime1">
+            <a:fld id="{0F459E98-D4BE-4F4B-9F55-83F8B386F349}" type="datetime1">
               <a:rPr lang="fr-FR" smtClean="0"/>
-              <a:t>22/10/2017</a:t>
+              <a:t>23/10/2017</a:t>
             </a:fld>
             <a:endParaRPr lang="fr-FR"/>
           </a:p>
@@ -4240,9 +4324,9 @@
           <a:bodyPr/>
           <a:lstStyle/>
           <a:p>
-            <a:fld id="{475AE75B-EA2B-4EC0-94D9-2C72F3C247DE}" type="datetime1">
+            <a:fld id="{A6D526EC-BFA0-42FA-9E82-A8F342311A69}" type="datetime1">
               <a:rPr lang="fr-FR" smtClean="0"/>
-              <a:t>22/10/2017</a:t>
+              <a:t>23/10/2017</a:t>
             </a:fld>
             <a:endParaRPr lang="fr-FR"/>
           </a:p>
@@ -4363,9 +4447,9 @@
           <a:bodyPr/>
           <a:lstStyle/>
           <a:p>
-            <a:fld id="{A572B5C8-A500-44FA-8C56-4A868313919D}" type="datetime1">
+            <a:fld id="{FA8B02AF-23A7-4516-BCB5-E40DAE4D00A2}" type="datetime1">
               <a:rPr lang="fr-FR" smtClean="0"/>
-              <a:t>22/10/2017</a:t>
+              <a:t>23/10/2017</a:t>
             </a:fld>
             <a:endParaRPr lang="fr-FR"/>
           </a:p>
@@ -4458,9 +4542,9 @@
           <a:bodyPr/>
           <a:lstStyle/>
           <a:p>
-            <a:fld id="{D59DE406-907E-412B-A99B-8D8C0CB55C02}" type="datetime1">
+            <a:fld id="{A323DD85-1E5C-4180-BD94-E1100E90D2BE}" type="datetime1">
               <a:rPr lang="fr-FR" smtClean="0"/>
-              <a:t>22/10/2017</a:t>
+              <a:t>23/10/2017</a:t>
             </a:fld>
             <a:endParaRPr lang="fr-FR"/>
           </a:p>
@@ -5221,9 +5305,9 @@
           <a:bodyPr/>
           <a:lstStyle/>
           <a:p>
-            <a:fld id="{CD863F08-B8AC-4AD6-A546-D59C4BF35E70}" type="datetime1">
+            <a:fld id="{2DB145C5-7543-4B85-B23C-42E9A101AE64}" type="datetime1">
               <a:rPr lang="fr-FR" smtClean="0"/>
-              <a:t>22/10/2017</a:t>
+              <a:t>23/10/2017</a:t>
             </a:fld>
             <a:endParaRPr lang="fr-FR"/>
           </a:p>
@@ -6061,9 +6145,9 @@
           <a:bodyPr/>
           <a:lstStyle/>
           <a:p>
-            <a:fld id="{478E2868-9E91-4049-938C-5036A8BF9F2B}" type="datetime1">
+            <a:fld id="{B2F0FF46-99E8-4536-AC0B-304A455973B5}" type="datetime1">
               <a:rPr lang="fr-FR" smtClean="0"/>
-              <a:t>22/10/2017</a:t>
+              <a:t>23/10/2017</a:t>
             </a:fld>
             <a:endParaRPr lang="fr-FR"/>
           </a:p>
@@ -6288,9 +6372,9 @@
             </a:lvl1pPr>
           </a:lstStyle>
           <a:p>
-            <a:fld id="{574618F7-44F1-4989-9F51-574A4709CD9B}" type="datetime1">
+            <a:fld id="{E71FA04E-3D9F-4673-83B1-1B012F0D0CBB}" type="datetime1">
               <a:rPr lang="fr-FR" smtClean="0"/>
-              <a:t>22/10/2017</a:t>
+              <a:t>23/10/2017</a:t>
             </a:fld>
             <a:endParaRPr lang="fr-FR"/>
           </a:p>
@@ -6899,7 +6983,7 @@
     <p:sldLayoutId id="2147483724" r:id="rId10"/>
     <p:sldLayoutId id="2147483725" r:id="rId11"/>
   </p:sldLayoutIdLst>
-  <p:hf hdr="0" ftr="0"/>
+  <p:hf hdr="0" ftr="0" dt="0"/>
   <p:txStyles>
     <p:titleStyle>
       <a:lvl1pPr algn="ctr" defTabSz="914400" rtl="0" eaLnBrk="1" latinLnBrk="0" hangingPunct="1">
@@ -7292,10 +7376,38 @@
       </p:grpSpPr>
       <p:sp>
         <p:nvSpPr>
+          <p:cNvPr id="11" name="Titre 10"/>
+          <p:cNvSpPr>
+            <a:spLocks noGrp="1"/>
+          </p:cNvSpPr>
+          <p:nvPr>
+            <p:ph type="ctrTitle"/>
+          </p:nvPr>
+        </p:nvSpPr>
+        <p:spPr>
+          <a:xfrm>
+            <a:off x="1078522" y="1496560"/>
+            <a:ext cx="10318418" cy="1818067"/>
+          </a:xfrm>
+        </p:spPr>
+        <p:txBody>
+          <a:bodyPr/>
+          <a:lstStyle/>
+          <a:p>
+            <a:r>
+              <a:rPr lang="fr-FR" dirty="0" smtClean="0"/>
+              <a:t>STONEHEARTH</a:t>
+            </a:r>
+            <a:endParaRPr lang="fr-FR" dirty="0"/>
+          </a:p>
+        </p:txBody>
+      </p:sp>
+      <p:sp>
+        <p:nvSpPr>
           <p:cNvPr id="3" name="Sous-titre 2">
             <a:extLst>
               <a:ext uri="{FF2B5EF4-FFF2-40B4-BE49-F238E27FC236}">
-                <a16:creationId xmlns:a16="http://schemas.microsoft.com/office/drawing/2014/main" id="{AF37375B-B60F-425C-BFFC-82940BA07C51}"/>
+                <a16:creationId xmlns:a16="http://schemas.microsoft.com/office/drawing/2014/main" xmlns="" id="{AF37375B-B60F-425C-BFFC-82940BA07C51}"/>
               </a:ext>
             </a:extLst>
           </p:cNvPr>
@@ -7308,8 +7420,8 @@
         </p:nvSpPr>
         <p:spPr>
           <a:xfrm>
-            <a:off x="662371" y="3831415"/>
-            <a:ext cx="3162025" cy="1162259"/>
+            <a:off x="318320" y="3866368"/>
+            <a:ext cx="3850128" cy="742279"/>
           </a:xfrm>
         </p:spPr>
         <p:txBody>
@@ -7345,10 +7457,39 @@
       </p:sp>
       <p:sp>
         <p:nvSpPr>
+          <p:cNvPr id="8" name="Espace réservé du numéro de diapositive 7">
+            <a:extLst>
+              <a:ext uri="{FF2B5EF4-FFF2-40B4-BE49-F238E27FC236}">
+                <a16:creationId xmlns:a16="http://schemas.microsoft.com/office/drawing/2014/main" xmlns="" id="{40F2CCAF-6658-4659-9A16-029471F4CBEA}"/>
+              </a:ext>
+            </a:extLst>
+          </p:cNvPr>
+          <p:cNvSpPr>
+            <a:spLocks noGrp="1"/>
+          </p:cNvSpPr>
+          <p:nvPr>
+            <p:ph type="sldNum" sz="quarter" idx="12"/>
+          </p:nvPr>
+        </p:nvSpPr>
+        <p:spPr/>
+        <p:txBody>
+          <a:bodyPr/>
+          <a:lstStyle/>
+          <a:p>
+            <a:fld id="{571CB747-BDA9-4D84-B713-CDD5BDC1D6D8}" type="slidenum">
+              <a:rPr lang="fr-FR" smtClean="0"/>
+              <a:t>1</a:t>
+            </a:fld>
+            <a:endParaRPr lang="fr-FR"/>
+          </a:p>
+        </p:txBody>
+      </p:sp>
+      <p:sp>
+        <p:nvSpPr>
           <p:cNvPr id="5" name="ZoneTexte 4">
             <a:extLst>
               <a:ext uri="{FF2B5EF4-FFF2-40B4-BE49-F238E27FC236}">
-                <a16:creationId xmlns:a16="http://schemas.microsoft.com/office/drawing/2014/main" id="{EFC1A2BF-93E2-4C32-95F8-0C7116221A83}"/>
+                <a16:creationId xmlns:a16="http://schemas.microsoft.com/office/drawing/2014/main" xmlns="" id="{EFC1A2BF-93E2-4C32-95F8-0C7116221A83}"/>
               </a:ext>
             </a:extLst>
           </p:cNvPr>
@@ -7357,7 +7498,7 @@
         </p:nvSpPr>
         <p:spPr>
           <a:xfrm>
-            <a:off x="2175594" y="3823640"/>
+            <a:off x="2997574" y="3865808"/>
             <a:ext cx="6480313" cy="707886"/>
           </a:xfrm>
           <a:prstGeom prst="rect">
@@ -7373,8 +7514,8 @@
           <a:p>
             <a:pPr algn="ctr"/>
             <a:r>
-              <a:rPr lang="fr-FR" sz="4000" dirty="0"/>
-              <a:t>par</a:t>
+              <a:rPr lang="fr-FR" sz="4000" dirty="0" smtClean="0"/>
+              <a:t>Par ZZARDBLI</a:t>
             </a:r>
             <a:endParaRPr lang="fr-FR" sz="4000" dirty="0">
               <a:latin typeface="+mj-lt"/>
@@ -7387,7 +7528,7 @@
           <p:cNvPr id="6" name="Sous-titre 2">
             <a:extLst>
               <a:ext uri="{FF2B5EF4-FFF2-40B4-BE49-F238E27FC236}">
-                <a16:creationId xmlns:a16="http://schemas.microsoft.com/office/drawing/2014/main" id="{0697245A-1669-415C-A066-5404AB58FDC2}"/>
+                <a16:creationId xmlns:a16="http://schemas.microsoft.com/office/drawing/2014/main" xmlns="" id="{0697245A-1669-415C-A066-5404AB58FDC2}"/>
               </a:ext>
             </a:extLst>
           </p:cNvPr>
@@ -7653,70 +7794,12 @@
           </a:p>
         </p:txBody>
       </p:sp>
-      <p:sp>
-        <p:nvSpPr>
-          <p:cNvPr id="7" name="Espace réservé de la date 6">
-            <a:extLst>
-              <a:ext uri="{FF2B5EF4-FFF2-40B4-BE49-F238E27FC236}">
-                <a16:creationId xmlns:a16="http://schemas.microsoft.com/office/drawing/2014/main" id="{297F05EB-B7D5-4A07-B5ED-0F2796E56392}"/>
-              </a:ext>
-            </a:extLst>
-          </p:cNvPr>
-          <p:cNvSpPr>
-            <a:spLocks noGrp="1"/>
-          </p:cNvSpPr>
-          <p:nvPr>
-            <p:ph type="dt" sz="half" idx="10"/>
-          </p:nvPr>
-        </p:nvSpPr>
-        <p:spPr/>
-        <p:txBody>
-          <a:bodyPr/>
-          <a:lstStyle/>
-          <a:p>
-            <a:fld id="{8D0E84CA-B404-4A0F-93F7-FE6C3EBD90AE}" type="datetime1">
-              <a:rPr lang="fr-FR" smtClean="0"/>
-              <a:t>22/10/2017</a:t>
-            </a:fld>
-            <a:endParaRPr lang="fr-FR"/>
-          </a:p>
-        </p:txBody>
-      </p:sp>
-      <p:sp>
-        <p:nvSpPr>
-          <p:cNvPr id="8" name="Espace réservé du numéro de diapositive 7">
-            <a:extLst>
-              <a:ext uri="{FF2B5EF4-FFF2-40B4-BE49-F238E27FC236}">
-                <a16:creationId xmlns:a16="http://schemas.microsoft.com/office/drawing/2014/main" id="{40F2CCAF-6658-4659-9A16-029471F4CBEA}"/>
-              </a:ext>
-            </a:extLst>
-          </p:cNvPr>
-          <p:cNvSpPr>
-            <a:spLocks noGrp="1"/>
-          </p:cNvSpPr>
-          <p:nvPr>
-            <p:ph type="sldNum" sz="quarter" idx="12"/>
-          </p:nvPr>
-        </p:nvSpPr>
-        <p:spPr/>
-        <p:txBody>
-          <a:bodyPr/>
-          <a:lstStyle/>
-          <a:p>
-            <a:fld id="{571CB747-BDA9-4D84-B713-CDD5BDC1D6D8}" type="slidenum">
-              <a:rPr lang="fr-FR" smtClean="0"/>
-              <a:t>1</a:t>
-            </a:fld>
-            <a:endParaRPr lang="fr-FR"/>
-          </a:p>
-        </p:txBody>
-      </p:sp>
       <p:pic>
         <p:nvPicPr>
           <p:cNvPr id="10" name="Image 9">
             <a:extLst>
               <a:ext uri="{FF2B5EF4-FFF2-40B4-BE49-F238E27FC236}">
-                <a16:creationId xmlns:a16="http://schemas.microsoft.com/office/drawing/2014/main" id="{57EB7689-8413-4700-8170-1D2FACAADF73}"/>
+                <a16:creationId xmlns:a16="http://schemas.microsoft.com/office/drawing/2014/main" xmlns="" id="{57EB7689-8413-4700-8170-1D2FACAADF73}"/>
               </a:ext>
             </a:extLst>
           </p:cNvPr>
@@ -7747,48 +7830,12 @@
           </a:prstGeom>
         </p:spPr>
       </p:pic>
-      <p:pic>
-        <p:nvPicPr>
-          <p:cNvPr id="9" name="Image 8">
-            <a:extLst>
-              <a:ext uri="{FF2B5EF4-FFF2-40B4-BE49-F238E27FC236}">
-                <a16:creationId xmlns:a16="http://schemas.microsoft.com/office/drawing/2014/main" id="{EFC1E951-CA8E-4B21-BAAD-D2DA336C5BFD}"/>
-              </a:ext>
-            </a:extLst>
-          </p:cNvPr>
-          <p:cNvPicPr>
-            <a:picLocks noChangeAspect="1"/>
-          </p:cNvPicPr>
-          <p:nvPr/>
-        </p:nvPicPr>
-        <p:blipFill>
-          <a:blip r:embed="rId3">
-            <a:extLst>
-              <a:ext uri="{28A0092B-C50C-407E-A947-70E740481C1C}">
-                <a14:useLocalDpi xmlns:a14="http://schemas.microsoft.com/office/drawing/2010/main" val="0"/>
-              </a:ext>
-            </a:extLst>
-          </a:blip>
-          <a:stretch>
-            <a:fillRect/>
-          </a:stretch>
-        </p:blipFill>
-        <p:spPr>
-          <a:xfrm>
-            <a:off x="5856465" y="3823640"/>
-            <a:ext cx="1954053" cy="854139"/>
-          </a:xfrm>
-          <a:prstGeom prst="rect">
-            <a:avLst/>
-          </a:prstGeom>
-        </p:spPr>
-      </p:pic>
       <p:sp>
         <p:nvSpPr>
           <p:cNvPr id="4" name="ZoneTexte 3">
             <a:extLst>
               <a:ext uri="{FF2B5EF4-FFF2-40B4-BE49-F238E27FC236}">
-                <a16:creationId xmlns:a16="http://schemas.microsoft.com/office/drawing/2014/main" id="{A9717AD7-8629-4224-B8C1-B278C271AA50}"/>
+                <a16:creationId xmlns:a16="http://schemas.microsoft.com/office/drawing/2014/main" xmlns="" id="{A9717AD7-8629-4224-B8C1-B278C271AA50}"/>
               </a:ext>
             </a:extLst>
           </p:cNvPr>
@@ -7818,42 +7865,6 @@
           </a:p>
         </p:txBody>
       </p:sp>
-      <p:pic>
-        <p:nvPicPr>
-          <p:cNvPr id="14" name="Image 13">
-            <a:extLst>
-              <a:ext uri="{FF2B5EF4-FFF2-40B4-BE49-F238E27FC236}">
-                <a16:creationId xmlns:a16="http://schemas.microsoft.com/office/drawing/2014/main" id="{9068E67A-BDEB-4122-B0C9-41CE3F5BAFDE}"/>
-              </a:ext>
-            </a:extLst>
-          </p:cNvPr>
-          <p:cNvPicPr>
-            <a:picLocks noChangeAspect="1"/>
-          </p:cNvPicPr>
-          <p:nvPr/>
-        </p:nvPicPr>
-        <p:blipFill>
-          <a:blip r:embed="rId4">
-            <a:extLst>
-              <a:ext uri="{28A0092B-C50C-407E-A947-70E740481C1C}">
-                <a14:useLocalDpi xmlns:a14="http://schemas.microsoft.com/office/drawing/2010/main" val="0"/>
-              </a:ext>
-            </a:extLst>
-          </a:blip>
-          <a:stretch>
-            <a:fillRect/>
-          </a:stretch>
-        </p:blipFill>
-        <p:spPr>
-          <a:xfrm>
-            <a:off x="2921688" y="1719883"/>
-            <a:ext cx="6806774" cy="1760956"/>
-          </a:xfrm>
-          <a:prstGeom prst="rect">
-            <a:avLst/>
-          </a:prstGeom>
-        </p:spPr>
-      </p:pic>
     </p:spTree>
     <p:extLst>
       <p:ext uri="{BB962C8B-B14F-4D97-AF65-F5344CB8AC3E}">
@@ -8007,7 +8018,16 @@
                 </a:solidFill>
                 <a:latin typeface="Liberation Sans"/>
               </a:rPr>
-              <a:t>: Abdoulaye est connecté et se trouve dans la boutique, il assez d'argent sur son compte en banque et il a rentré ses coordonnées bancaires.</a:t>
+              <a:t>: Abdoulaye est connecté et se trouve dans la boutique, il assez d'argent sur son compte en banque et il a rentré ses coordonnées bancaires</a:t>
+            </a:r>
+            <a:r>
+              <a:rPr lang="fr-FR" sz="1300" dirty="0" smtClean="0">
+                <a:solidFill>
+                  <a:schemeClr val="tx1"/>
+                </a:solidFill>
+                <a:latin typeface="Liberation Sans"/>
+              </a:rPr>
+              <a:t>.</a:t>
             </a:r>
           </a:p>
           <a:p>
@@ -8021,6 +8041,59 @@
               <a:buNone/>
             </a:pPr>
             <a:r>
+              <a:rPr lang="fr-FR" sz="1300" u="sng" dirty="0" smtClean="0">
+                <a:solidFill>
+                  <a:schemeClr val="tx1"/>
+                </a:solidFill>
+                <a:latin typeface="Liberation Sans"/>
+              </a:rPr>
+              <a:t>Entrée :</a:t>
+            </a:r>
+            <a:r>
+              <a:rPr lang="fr-FR" sz="1300" dirty="0" smtClean="0">
+                <a:solidFill>
+                  <a:schemeClr val="tx1"/>
+                </a:solidFill>
+                <a:latin typeface="Liberation Sans"/>
+              </a:rPr>
+              <a:t> </a:t>
+            </a:r>
+            <a:r>
+              <a:rPr lang="fr-FR" sz="1300" dirty="0" err="1" smtClean="0">
+                <a:solidFill>
+                  <a:schemeClr val="tx1"/>
+                </a:solidFill>
+                <a:latin typeface="Liberation Sans"/>
+              </a:rPr>
+              <a:t>idPack</a:t>
+            </a:r>
+            <a:r>
+              <a:rPr lang="fr-FR" sz="1300" dirty="0" smtClean="0">
+                <a:solidFill>
+                  <a:schemeClr val="tx1"/>
+                </a:solidFill>
+                <a:latin typeface="Liberation Sans"/>
+              </a:rPr>
+              <a:t>=« p1 »</a:t>
+            </a:r>
+            <a:endParaRPr lang="fr-FR" sz="1300" u="sng" dirty="0">
+              <a:solidFill>
+                <a:schemeClr val="tx1"/>
+              </a:solidFill>
+              <a:latin typeface="Liberation Sans"/>
+            </a:endParaRPr>
+          </a:p>
+          <a:p>
+            <a:pPr marL="0" indent="0">
+              <a:lnSpc>
+                <a:spcPct val="100000"/>
+              </a:lnSpc>
+              <a:spcBef>
+                <a:spcPts val="0"/>
+              </a:spcBef>
+              <a:buNone/>
+            </a:pPr>
+            <a:r>
               <a:rPr lang="fr-FR" sz="1300" u="sng" dirty="0">
                 <a:solidFill>
                   <a:schemeClr val="tx1"/>
@@ -8057,7 +8130,34 @@
                 </a:solidFill>
                 <a:latin typeface="Liberation Sans"/>
               </a:rPr>
-              <a:t>Le joueur clique sur le pack qu'il veut acheter</a:t>
+              <a:t>Le joueur clique sur le pack </a:t>
+            </a:r>
+            <a:r>
+              <a:rPr lang="fr-FR" sz="1300" dirty="0" smtClean="0">
+                <a:solidFill>
+                  <a:schemeClr val="tx1"/>
+                </a:solidFill>
+                <a:latin typeface="Liberation Sans"/>
+              </a:rPr>
+              <a:t>« p1 » </a:t>
+            </a:r>
+            <a:r>
+              <a:rPr lang="fr-FR" sz="1300" dirty="0" smtClean="0">
+                <a:solidFill>
+                  <a:schemeClr val="tx1"/>
+                </a:solidFill>
+                <a:latin typeface="Liberation Sans"/>
+              </a:rPr>
+              <a:t>qu'il </a:t>
+            </a:r>
+            <a:r>
+              <a:rPr lang="fr-FR" sz="1300" dirty="0">
+                <a:solidFill>
+                  <a:schemeClr val="tx1"/>
+                </a:solidFill>
+                <a:latin typeface="Liberation Sans"/>
+              </a:rPr>
+              <a:t>veut acheter</a:t>
             </a:r>
           </a:p>
           <a:p>
@@ -8438,8 +8538,67 @@
                 </a:solidFill>
                 <a:latin typeface="Liberation Sans"/>
               </a:rPr>
-              <a:t>: Abdoulaye est connecté et se trouve dans la boutique, il a assez d'argent sur son compte en banque, Il a rentré ses coordonnées bancaires.</a:t>
-            </a:r>
+              <a:t>: Abdoulaye est connecté et se trouve dans la boutique, il a assez d'argent sur son compte en banque, Il a rentré ses coordonnées bancaires</a:t>
+            </a:r>
+            <a:r>
+              <a:rPr lang="fr-FR" sz="1300" dirty="0" smtClean="0">
+                <a:solidFill>
+                  <a:schemeClr val="tx1"/>
+                </a:solidFill>
+                <a:latin typeface="Liberation Sans"/>
+              </a:rPr>
+              <a:t>.</a:t>
+            </a:r>
+          </a:p>
+          <a:p>
+            <a:pPr marL="0" indent="0">
+              <a:spcBef>
+                <a:spcPts val="0"/>
+              </a:spcBef>
+              <a:buNone/>
+            </a:pPr>
+            <a:r>
+              <a:rPr lang="fr-FR" sz="1300" u="sng" dirty="0" smtClean="0">
+                <a:solidFill>
+                  <a:schemeClr val="tx1"/>
+                </a:solidFill>
+                <a:latin typeface="Liberation Sans"/>
+              </a:rPr>
+              <a:t>Entrée :</a:t>
+            </a:r>
+            <a:r>
+              <a:rPr lang="fr-FR" sz="1300" dirty="0" smtClean="0">
+                <a:solidFill>
+                  <a:schemeClr val="tx1"/>
+                </a:solidFill>
+                <a:latin typeface="Liberation Sans"/>
+              </a:rPr>
+              <a:t> </a:t>
+            </a:r>
+            <a:r>
+              <a:rPr lang="fr-FR" sz="1300" dirty="0" err="1" smtClean="0">
+                <a:solidFill>
+                  <a:schemeClr val="tx1"/>
+                </a:solidFill>
+                <a:latin typeface="Liberation Sans"/>
+              </a:rPr>
+              <a:t>idDeck</a:t>
+            </a:r>
+            <a:r>
+              <a:rPr lang="fr-FR" sz="1300" dirty="0" smtClean="0">
+                <a:solidFill>
+                  <a:schemeClr val="tx1"/>
+                </a:solidFill>
+                <a:latin typeface="Liberation Sans"/>
+              </a:rPr>
+              <a:t>=« d1 »</a:t>
+            </a:r>
+            <a:endParaRPr lang="fr-FR" sz="1300" u="sng" dirty="0">
+              <a:solidFill>
+                <a:schemeClr val="tx1"/>
+              </a:solidFill>
+              <a:latin typeface="Liberation Sans"/>
+            </a:endParaRPr>
           </a:p>
           <a:p>
             <a:pPr marL="0" indent="0">
@@ -8482,8 +8641,32 @@
                 </a:solidFill>
                 <a:latin typeface="Liberation Sans"/>
               </a:rPr>
-              <a:t>Le joueur clique sur "Acheter un emplacement de deck"</a:t>
-            </a:r>
+              <a:t>Le joueur clique sur "Acheter un emplacement de </a:t>
+            </a:r>
+            <a:r>
+              <a:rPr lang="fr-FR" sz="1300" dirty="0" err="1" smtClean="0">
+                <a:solidFill>
+                  <a:schemeClr val="tx1"/>
+                </a:solidFill>
+                <a:latin typeface="Liberation Sans"/>
+              </a:rPr>
+              <a:t>deck</a:t>
+            </a:r>
+            <a:r>
+              <a:rPr lang="fr-FR" sz="1300" dirty="0" smtClean="0">
+                <a:solidFill>
+                  <a:schemeClr val="tx1"/>
+                </a:solidFill>
+                <a:latin typeface="Liberation Sans"/>
+              </a:rPr>
+              <a:t>"  (« d1 »)</a:t>
+            </a:r>
+            <a:endParaRPr lang="fr-FR" sz="1300" dirty="0">
+              <a:solidFill>
+                <a:schemeClr val="tx1"/>
+              </a:solidFill>
+              <a:latin typeface="Liberation Sans"/>
+            </a:endParaRPr>
           </a:p>
           <a:p>
             <a:pPr marL="342900" indent="-342900">
@@ -8680,29 +8863,6 @@
               </a:rPr>
               <a:t>Affichage visuel</a:t>
             </a:r>
-          </a:p>
-        </p:txBody>
-      </p:sp>
-      <p:sp>
-        <p:nvSpPr>
-          <p:cNvPr id="4" name="Espace réservé de la date 3"/>
-          <p:cNvSpPr>
-            <a:spLocks noGrp="1"/>
-          </p:cNvSpPr>
-          <p:nvPr>
-            <p:ph type="dt" sz="half" idx="10"/>
-          </p:nvPr>
-        </p:nvSpPr>
-        <p:spPr/>
-        <p:txBody>
-          <a:bodyPr/>
-          <a:lstStyle/>
-          <a:p>
-            <a:fld id="{8D8251DC-D010-4512-9E64-0AD1A731F3B7}" type="datetime1">
-              <a:rPr lang="fr-FR" smtClean="0"/>
-              <a:t>22/10/2017</a:t>
-            </a:fld>
-            <a:endParaRPr lang="fr-FR"/>
           </a:p>
         </p:txBody>
       </p:sp>
@@ -8875,74 +9035,116 @@
               </a:spcBef>
               <a:buNone/>
             </a:pPr>
+            <a:r>
+              <a:rPr lang="fr-FR" sz="5200" u="sng" dirty="0" smtClean="0">
+                <a:solidFill>
+                  <a:schemeClr val="tx1"/>
+                </a:solidFill>
+                <a:latin typeface="Liberation Sans"/>
+              </a:rPr>
+              <a:t>Entrée :</a:t>
+            </a:r>
+            <a:r>
+              <a:rPr lang="fr-FR" sz="5200" dirty="0" smtClean="0">
+                <a:solidFill>
+                  <a:schemeClr val="tx1"/>
+                </a:solidFill>
+                <a:latin typeface="Liberation Sans"/>
+              </a:rPr>
+              <a:t> </a:t>
+            </a:r>
+            <a:r>
+              <a:rPr lang="fr-FR" sz="5200" dirty="0" err="1" smtClean="0">
+                <a:solidFill>
+                  <a:schemeClr val="tx1"/>
+                </a:solidFill>
+                <a:latin typeface="Liberation Sans"/>
+              </a:rPr>
+              <a:t>idDeck</a:t>
+            </a:r>
+            <a:r>
+              <a:rPr lang="fr-FR" sz="5200" dirty="0" smtClean="0">
+                <a:solidFill>
+                  <a:schemeClr val="tx1"/>
+                </a:solidFill>
+                <a:latin typeface="Liberation Sans"/>
+              </a:rPr>
+              <a:t>=« d1 »</a:t>
+            </a:r>
+            <a:endParaRPr lang="fr-FR" sz="5200" u="sng" dirty="0" smtClean="0">
+              <a:solidFill>
+                <a:schemeClr val="tx1"/>
+              </a:solidFill>
+              <a:latin typeface="Liberation Sans"/>
+            </a:endParaRPr>
+          </a:p>
+          <a:p>
+            <a:pPr marL="0" indent="0">
+              <a:spcBef>
+                <a:spcPts val="0"/>
+              </a:spcBef>
+              <a:buNone/>
+            </a:pPr>
+            <a:r>
+              <a:rPr lang="fr-FR" sz="5200" u="sng" dirty="0" smtClean="0">
+                <a:solidFill>
+                  <a:schemeClr val="tx1"/>
+                </a:solidFill>
+                <a:latin typeface="Liberation Sans"/>
+              </a:rPr>
+              <a:t>Scénario </a:t>
+            </a:r>
+            <a:r>
+              <a:rPr lang="fr-FR" sz="5200" dirty="0">
+                <a:solidFill>
+                  <a:schemeClr val="tx1"/>
+                </a:solidFill>
+                <a:latin typeface="Liberation Sans"/>
+              </a:rPr>
+              <a:t>:</a:t>
+            </a:r>
+          </a:p>
+          <a:p>
+            <a:pPr marL="457200" indent="-457200">
+              <a:spcBef>
+                <a:spcPts val="0"/>
+              </a:spcBef>
+              <a:buFont typeface="+mj-lt"/>
+              <a:buAutoNum type="arabicPeriod"/>
+            </a:pPr>
+            <a:r>
+              <a:rPr lang="fr-FR" sz="5200" dirty="0">
+                <a:solidFill>
+                  <a:schemeClr val="tx1"/>
+                </a:solidFill>
+                <a:latin typeface="Liberation Sans"/>
+              </a:rPr>
+              <a:t>Le joueur clique sur "Acheter un emplacement de </a:t>
+            </a:r>
+            <a:r>
+              <a:rPr lang="fr-FR" sz="5200" dirty="0" err="1" smtClean="0">
+                <a:solidFill>
+                  <a:schemeClr val="tx1"/>
+                </a:solidFill>
+                <a:latin typeface="Liberation Sans"/>
+              </a:rPr>
+              <a:t>deck</a:t>
+            </a:r>
+            <a:r>
+              <a:rPr lang="fr-FR" sz="5200" dirty="0" smtClean="0">
+                <a:solidFill>
+                  <a:schemeClr val="tx1"/>
+                </a:solidFill>
+                <a:latin typeface="Liberation Sans"/>
+              </a:rPr>
+              <a:t>«  (« d1 »)</a:t>
+            </a:r>
             <a:endParaRPr lang="fr-FR" sz="5200" dirty="0">
               <a:solidFill>
                 <a:schemeClr val="tx1"/>
               </a:solidFill>
               <a:latin typeface="Liberation Sans"/>
             </a:endParaRPr>
-          </a:p>
-          <a:p>
-            <a:pPr marL="0" indent="0">
-              <a:spcBef>
-                <a:spcPts val="0"/>
-              </a:spcBef>
-              <a:buNone/>
-            </a:pPr>
-            <a:r>
-              <a:rPr lang="fr-FR" sz="5200" u="sng" dirty="0">
-                <a:solidFill>
-                  <a:schemeClr val="tx1"/>
-                </a:solidFill>
-                <a:latin typeface="Liberation Sans"/>
-              </a:rPr>
-              <a:t>Scénario </a:t>
-            </a:r>
-            <a:r>
-              <a:rPr lang="fr-FR" sz="5200" dirty="0">
-                <a:solidFill>
-                  <a:schemeClr val="tx1"/>
-                </a:solidFill>
-                <a:latin typeface="Liberation Sans"/>
-              </a:rPr>
-              <a:t>:</a:t>
-            </a:r>
-          </a:p>
-          <a:p>
-            <a:pPr marL="457200" indent="-457200">
-              <a:spcBef>
-                <a:spcPts val="0"/>
-              </a:spcBef>
-              <a:buFont typeface="+mj-lt"/>
-              <a:buAutoNum type="arabicPeriod"/>
-            </a:pPr>
-            <a:r>
-              <a:rPr lang="fr-FR" sz="5200" dirty="0">
-                <a:solidFill>
-                  <a:schemeClr val="tx1"/>
-                </a:solidFill>
-                <a:latin typeface="Liberation Sans"/>
-              </a:rPr>
-              <a:t>Le joueur clique sur "Acheter un emplacement de </a:t>
-            </a:r>
-            <a:r>
-              <a:rPr lang="fr-FR" sz="5200" dirty="0" err="1">
-                <a:solidFill>
-                  <a:schemeClr val="tx1"/>
-                </a:solidFill>
-                <a:latin typeface="Liberation Sans"/>
-              </a:rPr>
-              <a:t>deck</a:t>
-            </a:r>
-            <a:r>
-              <a:rPr lang="fr-FR" sz="5200" dirty="0">
-                <a:solidFill>
-                  <a:schemeClr val="tx1"/>
-                </a:solidFill>
-                <a:latin typeface="Liberation Sans"/>
-              </a:rPr>
-              <a:t>"</a:t>
-            </a:r>
           </a:p>
           <a:p>
             <a:pPr marL="457200" indent="-457200">
@@ -9270,6 +9472,101 @@
               </a:spcBef>
               <a:buNone/>
             </a:pPr>
+            <a:r>
+              <a:rPr lang="fr-FR" sz="5200" u="sng" dirty="0" smtClean="0">
+                <a:solidFill>
+                  <a:schemeClr val="tx1"/>
+                </a:solidFill>
+                <a:latin typeface="Liberation Sans"/>
+              </a:rPr>
+              <a:t>Entrée :</a:t>
+            </a:r>
+            <a:r>
+              <a:rPr lang="fr-FR" sz="5200" dirty="0" smtClean="0">
+                <a:solidFill>
+                  <a:schemeClr val="tx1"/>
+                </a:solidFill>
+                <a:latin typeface="Liberation Sans"/>
+              </a:rPr>
+              <a:t> </a:t>
+            </a:r>
+            <a:r>
+              <a:rPr lang="fr-FR" sz="5200" dirty="0" err="1" smtClean="0">
+                <a:solidFill>
+                  <a:schemeClr val="tx1"/>
+                </a:solidFill>
+                <a:latin typeface="Liberation Sans"/>
+              </a:rPr>
+              <a:t>idPack</a:t>
+            </a:r>
+            <a:r>
+              <a:rPr lang="fr-FR" sz="5200" dirty="0" smtClean="0">
+                <a:solidFill>
+                  <a:schemeClr val="tx1"/>
+                </a:solidFill>
+                <a:latin typeface="Liberation Sans"/>
+              </a:rPr>
+              <a:t>=« p1 »</a:t>
+            </a:r>
+            <a:endParaRPr lang="fr-FR" sz="5200" u="sng" dirty="0">
+              <a:solidFill>
+                <a:schemeClr val="tx1"/>
+              </a:solidFill>
+              <a:latin typeface="Liberation Sans"/>
+            </a:endParaRPr>
+          </a:p>
+          <a:p>
+            <a:pPr marL="0" indent="0">
+              <a:spcBef>
+                <a:spcPts val="0"/>
+              </a:spcBef>
+              <a:buNone/>
+            </a:pPr>
+            <a:r>
+              <a:rPr lang="fr-FR" sz="5200" u="sng" dirty="0">
+                <a:solidFill>
+                  <a:schemeClr val="tx1"/>
+                </a:solidFill>
+                <a:latin typeface="Liberation Sans"/>
+              </a:rPr>
+              <a:t>Scénario </a:t>
+            </a:r>
+            <a:r>
+              <a:rPr lang="fr-FR" sz="5200" dirty="0">
+                <a:solidFill>
+                  <a:schemeClr val="tx1"/>
+                </a:solidFill>
+                <a:latin typeface="Liberation Sans"/>
+              </a:rPr>
+              <a:t>:</a:t>
+            </a:r>
+          </a:p>
+          <a:p>
+            <a:pPr marL="457200" indent="-457200">
+              <a:spcBef>
+                <a:spcPts val="0"/>
+              </a:spcBef>
+              <a:buFont typeface="+mj-lt"/>
+              <a:buAutoNum type="arabicPeriod"/>
+            </a:pPr>
+            <a:r>
+              <a:rPr lang="fr-FR" sz="5200" dirty="0">
+                <a:solidFill>
+                  <a:schemeClr val="tx1"/>
+                </a:solidFill>
+                <a:latin typeface="Liberation Sans"/>
+              </a:rPr>
+              <a:t>Le joueur clique sur le pack qu'il veut </a:t>
+            </a:r>
+            <a:r>
+              <a:rPr lang="fr-FR" sz="5200" dirty="0" smtClean="0">
+                <a:solidFill>
+                  <a:schemeClr val="tx1"/>
+                </a:solidFill>
+                <a:latin typeface="Liberation Sans"/>
+              </a:rPr>
+              <a:t>acheter (« p1 »)</a:t>
+            </a:r>
             <a:endParaRPr lang="fr-FR" sz="5200" dirty="0">
               <a:solidFill>
                 <a:schemeClr val="tx1"/>
@@ -9278,50 +9575,6 @@
             </a:endParaRPr>
           </a:p>
           <a:p>
-            <a:pPr marL="0" indent="0">
-              <a:spcBef>
-                <a:spcPts val="0"/>
-              </a:spcBef>
-              <a:buNone/>
-            </a:pPr>
-            <a:r>
-              <a:rPr lang="fr-FR" sz="5200" u="sng" dirty="0">
-                <a:solidFill>
-                  <a:schemeClr val="tx1"/>
-                </a:solidFill>
-                <a:latin typeface="Liberation Sans"/>
-              </a:rPr>
-              <a:t>Scénario </a:t>
-            </a:r>
-            <a:r>
-              <a:rPr lang="fr-FR" sz="5200" dirty="0">
-                <a:solidFill>
-                  <a:schemeClr val="tx1"/>
-                </a:solidFill>
-                <a:latin typeface="Liberation Sans"/>
-              </a:rPr>
-              <a:t>:</a:t>
-            </a:r>
-          </a:p>
-          <a:p>
-            <a:pPr marL="457200" indent="-457200">
-              <a:spcBef>
-                <a:spcPts val="0"/>
-              </a:spcBef>
-              <a:buFont typeface="+mj-lt"/>
-              <a:buAutoNum type="arabicPeriod"/>
-            </a:pPr>
-            <a:r>
-              <a:rPr lang="fr-FR" sz="5200" dirty="0">
-                <a:solidFill>
-                  <a:schemeClr val="tx1"/>
-                </a:solidFill>
-                <a:latin typeface="Liberation Sans"/>
-              </a:rPr>
-              <a:t>Le joueur clique sur le pack qu'il veut acheter</a:t>
-            </a:r>
-          </a:p>
-          <a:p>
             <a:pPr marL="457200" indent="-457200">
               <a:spcBef>
                 <a:spcPts val="0"/>
@@ -9562,29 +9815,6 @@
               </a:rPr>
               <a:t>Affichage visuel</a:t>
             </a:r>
-          </a:p>
-        </p:txBody>
-      </p:sp>
-      <p:sp>
-        <p:nvSpPr>
-          <p:cNvPr id="5" name="Espace réservé de la date 4"/>
-          <p:cNvSpPr>
-            <a:spLocks noGrp="1"/>
-          </p:cNvSpPr>
-          <p:nvPr>
-            <p:ph type="dt" sz="half" idx="10"/>
-          </p:nvPr>
-        </p:nvSpPr>
-        <p:spPr/>
-        <p:txBody>
-          <a:bodyPr/>
-          <a:lstStyle/>
-          <a:p>
-            <a:fld id="{6E297C13-8A02-476A-BC32-9713B4BAFEC7}" type="datetime1">
-              <a:rPr lang="fr-FR" smtClean="0"/>
-              <a:t>22/10/2017</a:t>
-            </a:fld>
-            <a:endParaRPr lang="fr-FR"/>
           </a:p>
         </p:txBody>
       </p:sp>
@@ -9662,6 +9892,10 @@
               <a:rPr lang="fr-FR" dirty="0"/>
               <a:t>Acheter un emplacement deck ou un pack</a:t>
             </a:r>
+            <a:r>
+              <a:rPr lang="fr-FR" sz="3600" dirty="0"/>
+              <a:t/>
+            </a:r>
             <a:br>
               <a:rPr lang="fr-FR" sz="3600" dirty="0"/>
             </a:br>
@@ -9758,7 +9992,43 @@
               </a:spcBef>
               <a:buNone/>
             </a:pPr>
-            <a:endParaRPr lang="fr-FR" sz="1400" u="sng" dirty="0">
+            <a:r>
+              <a:rPr lang="fr-FR" sz="1400" u="sng" dirty="0" smtClean="0">
+                <a:solidFill>
+                  <a:schemeClr val="tx1"/>
+                </a:solidFill>
+                <a:latin typeface="Liberation Sans"/>
+              </a:rPr>
+              <a:t>Entrée </a:t>
+            </a:r>
+            <a:r>
+              <a:rPr lang="fr-FR" sz="1400" dirty="0" smtClean="0">
+                <a:solidFill>
+                  <a:schemeClr val="tx1"/>
+                </a:solidFill>
+                <a:latin typeface="Liberation Sans"/>
+              </a:rPr>
+              <a:t>: </a:t>
+            </a:r>
+            <a:r>
+              <a:rPr lang="fr-FR" sz="1400" dirty="0" err="1" smtClean="0">
+                <a:solidFill>
+                  <a:schemeClr val="tx1"/>
+                </a:solidFill>
+                <a:latin typeface="Liberation Sans"/>
+              </a:rPr>
+              <a:t>idPack</a:t>
+            </a:r>
+            <a:r>
+              <a:rPr lang="fr-FR" sz="1400" dirty="0" smtClean="0">
+                <a:solidFill>
+                  <a:schemeClr val="tx1"/>
+                </a:solidFill>
+                <a:latin typeface="Liberation Sans"/>
+              </a:rPr>
+              <a:t>=« p1 »</a:t>
+            </a:r>
+            <a:endParaRPr lang="fr-FR" sz="1400" dirty="0">
               <a:solidFill>
                 <a:schemeClr val="tx1"/>
               </a:solidFill>
@@ -9806,8 +10076,23 @@
                 </a:solidFill>
                 <a:latin typeface="Liberation Sans"/>
               </a:rPr>
-              <a:t>Le joueur clique sur le pack qu'il veut acheter</a:t>
-            </a:r>
+              <a:t>Le joueur clique sur le pack qu'il veut </a:t>
+            </a:r>
+            <a:r>
+              <a:rPr lang="fr-FR" sz="1400" dirty="0" smtClean="0">
+                <a:solidFill>
+                  <a:schemeClr val="tx1"/>
+                </a:solidFill>
+                <a:latin typeface="Liberation Sans"/>
+              </a:rPr>
+              <a:t>acheter « p1 »</a:t>
+            </a:r>
+            <a:endParaRPr lang="fr-FR" sz="1400" dirty="0">
+              <a:solidFill>
+                <a:schemeClr val="tx1"/>
+              </a:solidFill>
+              <a:latin typeface="Liberation Sans"/>
+            </a:endParaRPr>
           </a:p>
           <a:p>
             <a:pPr marL="342900" indent="-342900">
@@ -10142,29 +10427,6 @@
               </a:solidFill>
               <a:latin typeface="Liberation Sans"/>
             </a:endParaRPr>
-          </a:p>
-        </p:txBody>
-      </p:sp>
-      <p:sp>
-        <p:nvSpPr>
-          <p:cNvPr id="5" name="Espace réservé de la date 4"/>
-          <p:cNvSpPr>
-            <a:spLocks noGrp="1"/>
-          </p:cNvSpPr>
-          <p:nvPr>
-            <p:ph type="dt" sz="half" idx="10"/>
-          </p:nvPr>
-        </p:nvSpPr>
-        <p:spPr/>
-        <p:txBody>
-          <a:bodyPr/>
-          <a:lstStyle/>
-          <a:p>
-            <a:fld id="{6E297C13-8A02-476A-BC32-9713B4BAFEC7}" type="datetime1">
-              <a:rPr lang="fr-FR" smtClean="0"/>
-              <a:t>22/10/2017</a:t>
-            </a:fld>
-            <a:endParaRPr lang="fr-FR" dirty="0"/>
           </a:p>
         </p:txBody>
       </p:sp>
@@ -10242,6 +10504,10 @@
               <a:rPr lang="fr-FR" dirty="0"/>
               <a:t>Acheter un emplacement deck ou un pack</a:t>
             </a:r>
+            <a:r>
+              <a:rPr lang="fr-FR" sz="3600" dirty="0"/>
+              <a:t/>
+            </a:r>
             <a:br>
               <a:rPr lang="fr-FR" sz="3600" dirty="0"/>
             </a:br>
@@ -10338,6 +10604,42 @@
               </a:spcBef>
               <a:buNone/>
             </a:pPr>
+            <a:r>
+              <a:rPr lang="fr-FR" sz="1400" u="sng" dirty="0" smtClean="0">
+                <a:solidFill>
+                  <a:schemeClr val="tx1"/>
+                </a:solidFill>
+                <a:latin typeface="Liberation Sans"/>
+              </a:rPr>
+              <a:t>Entrée :</a:t>
+            </a:r>
+            <a:r>
+              <a:rPr lang="fr-FR" sz="1400" dirty="0" smtClean="0">
+                <a:solidFill>
+                  <a:schemeClr val="tx1"/>
+                </a:solidFill>
+                <a:latin typeface="Liberation Sans"/>
+              </a:rPr>
+              <a:t> </a:t>
+            </a:r>
+            <a:r>
+              <a:rPr lang="fr-FR" sz="1400" dirty="0" err="1" smtClean="0">
+                <a:solidFill>
+                  <a:schemeClr val="tx1"/>
+                </a:solidFill>
+                <a:latin typeface="Liberation Sans"/>
+              </a:rPr>
+              <a:t>idDeck</a:t>
+            </a:r>
+            <a:r>
+              <a:rPr lang="fr-FR" sz="1400" dirty="0" smtClean="0">
+                <a:solidFill>
+                  <a:schemeClr val="tx1"/>
+                </a:solidFill>
+                <a:latin typeface="Liberation Sans"/>
+              </a:rPr>
+              <a:t>=« d1 »</a:t>
+            </a:r>
             <a:endParaRPr lang="fr-FR" sz="1400" u="sng" dirty="0">
               <a:solidFill>
                 <a:schemeClr val="tx1"/>
@@ -10386,8 +10688,32 @@
                 </a:solidFill>
                 <a:latin typeface="Liberation Sans"/>
               </a:rPr>
-              <a:t>Le joueur clique sur "Acheter un emplacement de deck"</a:t>
-            </a:r>
+              <a:t>Le joueur clique sur "Acheter un emplacement de </a:t>
+            </a:r>
+            <a:r>
+              <a:rPr lang="fr-FR" sz="1400" dirty="0" err="1" smtClean="0">
+                <a:solidFill>
+                  <a:schemeClr val="tx1"/>
+                </a:solidFill>
+                <a:latin typeface="Liberation Sans"/>
+              </a:rPr>
+              <a:t>deck</a:t>
+            </a:r>
+            <a:r>
+              <a:rPr lang="fr-FR" sz="1400" dirty="0" smtClean="0">
+                <a:solidFill>
+                  <a:schemeClr val="tx1"/>
+                </a:solidFill>
+                <a:latin typeface="Liberation Sans"/>
+              </a:rPr>
+              <a:t>"  (« d1 »)</a:t>
+            </a:r>
+            <a:endParaRPr lang="fr-FR" sz="1400" dirty="0">
+              <a:solidFill>
+                <a:schemeClr val="tx1"/>
+              </a:solidFill>
+              <a:latin typeface="Liberation Sans"/>
+            </a:endParaRPr>
           </a:p>
           <a:p>
             <a:pPr marL="342900" indent="-342900">
@@ -10654,29 +10980,6 @@
               </a:rPr>
               <a:t>Affichage visuel</a:t>
             </a:r>
-          </a:p>
-        </p:txBody>
-      </p:sp>
-      <p:sp>
-        <p:nvSpPr>
-          <p:cNvPr id="5" name="Espace réservé de la date 4"/>
-          <p:cNvSpPr>
-            <a:spLocks noGrp="1"/>
-          </p:cNvSpPr>
-          <p:nvPr>
-            <p:ph type="dt" sz="half" idx="10"/>
-          </p:nvPr>
-        </p:nvSpPr>
-        <p:spPr/>
-        <p:txBody>
-          <a:bodyPr/>
-          <a:lstStyle/>
-          <a:p>
-            <a:fld id="{6E297C13-8A02-476A-BC32-9713B4BAFEC7}" type="datetime1">
-              <a:rPr lang="fr-FR" smtClean="0"/>
-              <a:t>22/10/2017</a:t>
-            </a:fld>
-            <a:endParaRPr lang="fr-FR" dirty="0"/>
           </a:p>
         </p:txBody>
       </p:sp>
@@ -10754,6 +11057,10 @@
               <a:rPr lang="fr-FR" dirty="0"/>
               <a:t>Acheter un emplacement deck ou un pack</a:t>
             </a:r>
+            <a:r>
+              <a:rPr lang="fr-FR" sz="3600" dirty="0"/>
+              <a:t/>
+            </a:r>
             <a:br>
               <a:rPr lang="fr-FR" sz="3600" dirty="0"/>
             </a:br>
@@ -10778,7 +11085,7 @@
         <p:spPr>
           <a:xfrm>
             <a:off x="1251678" y="1495886"/>
-            <a:ext cx="4944936" cy="4949301"/>
+            <a:ext cx="4944936" cy="5225589"/>
           </a:xfrm>
         </p:spPr>
         <p:txBody>
@@ -10842,6 +11149,62 @@
               </a:rPr>
               <a:t>: Abdoulaye est connecté et se trouve dans la boutique, il n'a pas assez d'argent sur son compte en banque et n'a pas rentré ses coordonnées bancaires. </a:t>
             </a:r>
+            <a:endParaRPr lang="fr-FR" sz="1300" dirty="0" smtClean="0">
+              <a:solidFill>
+                <a:schemeClr val="tx1"/>
+              </a:solidFill>
+              <a:latin typeface="Liberation Sans"/>
+            </a:endParaRPr>
+          </a:p>
+          <a:p>
+            <a:pPr marL="0" indent="0">
+              <a:spcBef>
+                <a:spcPts val="0"/>
+              </a:spcBef>
+              <a:buNone/>
+            </a:pPr>
+            <a:r>
+              <a:rPr lang="fr-FR" sz="1300" u="sng" dirty="0" smtClean="0">
+                <a:solidFill>
+                  <a:schemeClr val="tx1"/>
+                </a:solidFill>
+                <a:latin typeface="Liberation Sans"/>
+              </a:rPr>
+              <a:t>Entrée</a:t>
+            </a:r>
+            <a:r>
+              <a:rPr lang="fr-FR" sz="1300" dirty="0" smtClean="0">
+                <a:solidFill>
+                  <a:schemeClr val="tx1"/>
+                </a:solidFill>
+                <a:latin typeface="Liberation Sans"/>
+              </a:rPr>
+              <a:t> : </a:t>
+            </a:r>
+            <a:r>
+              <a:rPr lang="fr-FR" sz="1300" dirty="0" err="1" smtClean="0">
+                <a:solidFill>
+                  <a:schemeClr val="tx1"/>
+                </a:solidFill>
+                <a:latin typeface="Liberation Sans"/>
+              </a:rPr>
+              <a:t>idPack</a:t>
+            </a:r>
+            <a:r>
+              <a:rPr lang="fr-FR" sz="1300" dirty="0" smtClean="0">
+                <a:solidFill>
+                  <a:schemeClr val="tx1"/>
+                </a:solidFill>
+                <a:latin typeface="Liberation Sans"/>
+              </a:rPr>
+              <a:t>=« p1 »</a:t>
+            </a:r>
+            <a:endParaRPr lang="fr-FR" sz="1300" u="sng" dirty="0">
+              <a:solidFill>
+                <a:schemeClr val="tx1"/>
+              </a:solidFill>
+              <a:latin typeface="Liberation Sans"/>
+            </a:endParaRPr>
           </a:p>
           <a:p>
             <a:pPr marL="0" indent="0">
@@ -10884,8 +11247,23 @@
                 </a:solidFill>
                 <a:latin typeface="Liberation Sans"/>
               </a:rPr>
-              <a:t>Le joueur clique sur le pack qu'il veut acheter</a:t>
-            </a:r>
+              <a:t>Le joueur clique sur le pack qu'il veut </a:t>
+            </a:r>
+            <a:r>
+              <a:rPr lang="fr-FR" sz="1300" dirty="0" smtClean="0">
+                <a:solidFill>
+                  <a:schemeClr val="tx1"/>
+                </a:solidFill>
+                <a:latin typeface="Liberation Sans"/>
+              </a:rPr>
+              <a:t>acheter « p1 »</a:t>
+            </a:r>
+            <a:endParaRPr lang="fr-FR" sz="1300" dirty="0">
+              <a:solidFill>
+                <a:schemeClr val="tx1"/>
+              </a:solidFill>
+              <a:latin typeface="Liberation Sans"/>
+            </a:endParaRPr>
           </a:p>
           <a:p>
             <a:pPr marL="342900" indent="-342900">
@@ -11133,13 +11511,13 @@
         </p:nvSpPr>
         <p:spPr>
           <a:xfrm>
-            <a:off x="6356412" y="1685201"/>
-            <a:ext cx="5073588" cy="4690477"/>
+            <a:off x="6356412" y="1495886"/>
+            <a:ext cx="5073588" cy="5225589"/>
           </a:xfrm>
         </p:spPr>
         <p:txBody>
           <a:bodyPr>
-            <a:normAutofit fontScale="92500"/>
+            <a:noAutofit/>
           </a:bodyPr>
           <a:lstStyle/>
           <a:p>
@@ -11150,14 +11528,38 @@
               <a:buNone/>
             </a:pPr>
             <a:r>
-              <a:rPr lang="fr-FR" sz="1500" b="1" dirty="0">
-                <a:solidFill>
-                  <a:schemeClr val="tx1"/>
-                </a:solidFill>
-                <a:latin typeface="Liberation Sans"/>
-              </a:rPr>
-              <a:t>TV08: Acheter un emplacement de deck sans avoir rempli ses coordonnées bancaires et sans avoir assez d'argent</a:t>
-            </a:r>
+              <a:rPr lang="fr-FR" sz="1500" b="1" dirty="0" smtClean="0">
+                <a:solidFill>
+                  <a:schemeClr val="tx1"/>
+                </a:solidFill>
+                <a:latin typeface="Liberation Sans"/>
+              </a:rPr>
+              <a:t>TV08: Acheter un emplacement de </a:t>
+            </a:r>
+            <a:r>
+              <a:rPr lang="fr-FR" sz="1500" b="1" dirty="0" err="1" smtClean="0">
+                <a:solidFill>
+                  <a:schemeClr val="tx1"/>
+                </a:solidFill>
+                <a:latin typeface="Liberation Sans"/>
+              </a:rPr>
+              <a:t>deck</a:t>
+            </a:r>
+            <a:r>
+              <a:rPr lang="fr-FR" sz="1500" b="1" dirty="0" smtClean="0">
+                <a:solidFill>
+                  <a:schemeClr val="tx1"/>
+                </a:solidFill>
+                <a:latin typeface="Liberation Sans"/>
+              </a:rPr>
+              <a:t> sans avoir rempli ses coordonnées bancaires et sans avoir assez d'argent</a:t>
+            </a:r>
+            <a:endParaRPr lang="fr-FR" sz="1500" b="1" dirty="0">
+              <a:solidFill>
+                <a:schemeClr val="tx1"/>
+              </a:solidFill>
+              <a:latin typeface="Liberation Sans"/>
+            </a:endParaRPr>
           </a:p>
           <a:p>
             <a:pPr marL="0" indent="0">
@@ -11181,7 +11583,7 @@
               <a:buNone/>
             </a:pPr>
             <a:r>
-              <a:rPr lang="fr-FR" sz="1400" u="sng" dirty="0">
+              <a:rPr lang="fr-FR" sz="1300" u="sng" dirty="0">
                 <a:solidFill>
                   <a:schemeClr val="tx1"/>
                 </a:solidFill>
@@ -11190,7 +11592,7 @@
               <a:t>Contexte </a:t>
             </a:r>
             <a:r>
-              <a:rPr lang="fr-FR" sz="1400" dirty="0">
+              <a:rPr lang="fr-FR" sz="1300" dirty="0">
                 <a:solidFill>
                   <a:schemeClr val="tx1"/>
                 </a:solidFill>
@@ -11198,6 +11600,12 @@
               </a:rPr>
               <a:t>: Abdoulaye est connecté et se trouve dans la boutique, n'a pas assez d'argent sur son compte en banque et n'a pas rentré ses coordonnées bancaires. </a:t>
             </a:r>
+            <a:endParaRPr lang="fr-FR" sz="1300" dirty="0" smtClean="0">
+              <a:solidFill>
+                <a:schemeClr val="tx1"/>
+              </a:solidFill>
+              <a:latin typeface="Liberation Sans"/>
+            </a:endParaRPr>
           </a:p>
           <a:p>
             <a:pPr marL="0" indent="0">
@@ -11207,7 +11615,57 @@
               <a:buNone/>
             </a:pPr>
             <a:r>
-              <a:rPr lang="fr-FR" sz="1400" u="sng" dirty="0">
+              <a:rPr lang="fr-FR" sz="1300" u="sng" dirty="0" smtClean="0">
+                <a:solidFill>
+                  <a:schemeClr val="tx1"/>
+                </a:solidFill>
+                <a:latin typeface="Liberation Sans"/>
+              </a:rPr>
+              <a:t>Entrée</a:t>
+            </a:r>
+            <a:r>
+              <a:rPr lang="fr-FR" sz="1300" dirty="0" smtClean="0">
+                <a:solidFill>
+                  <a:schemeClr val="tx1"/>
+                </a:solidFill>
+                <a:latin typeface="Liberation Sans"/>
+              </a:rPr>
+              <a:t> : </a:t>
+            </a:r>
+            <a:r>
+              <a:rPr lang="fr-FR" sz="1300" dirty="0" err="1" smtClean="0">
+                <a:solidFill>
+                  <a:schemeClr val="tx1"/>
+                </a:solidFill>
+                <a:latin typeface="Liberation Sans"/>
+              </a:rPr>
+              <a:t>idDeck</a:t>
+            </a:r>
+            <a:r>
+              <a:rPr lang="fr-FR" sz="1300" dirty="0" smtClean="0">
+                <a:solidFill>
+                  <a:schemeClr val="tx1"/>
+                </a:solidFill>
+                <a:latin typeface="Liberation Sans"/>
+              </a:rPr>
+              <a:t> =« d1 »</a:t>
+            </a:r>
+            <a:endParaRPr lang="fr-FR" sz="1300" u="sng" dirty="0">
+              <a:solidFill>
+                <a:schemeClr val="tx1"/>
+              </a:solidFill>
+              <a:latin typeface="Liberation Sans"/>
+            </a:endParaRPr>
+          </a:p>
+          <a:p>
+            <a:pPr marL="0" indent="0">
+              <a:spcBef>
+                <a:spcPts val="0"/>
+              </a:spcBef>
+              <a:buNone/>
+            </a:pPr>
+            <a:r>
+              <a:rPr lang="fr-FR" sz="1300" u="sng" dirty="0">
                 <a:solidFill>
                   <a:schemeClr val="tx1"/>
                 </a:solidFill>
@@ -11216,7 +11674,7 @@
               <a:t>Scénario </a:t>
             </a:r>
             <a:r>
-              <a:rPr lang="fr-FR" sz="1400" dirty="0">
+              <a:rPr lang="fr-FR" sz="1300" dirty="0">
                 <a:solidFill>
                   <a:schemeClr val="tx1"/>
                 </a:solidFill>
@@ -11234,7 +11692,7 @@
               <a:buAutoNum type="arabicPeriod"/>
             </a:pPr>
             <a:r>
-              <a:rPr lang="fr-FR" sz="1400" dirty="0">
+              <a:rPr lang="fr-FR" sz="1300" dirty="0">
                 <a:solidFill>
                   <a:schemeClr val="tx1"/>
                 </a:solidFill>
@@ -11243,7 +11701,7 @@
               <a:t>Le joueur clique sur "Acheter un emplacement de </a:t>
             </a:r>
             <a:r>
-              <a:rPr lang="fr-FR" sz="1400" dirty="0" err="1">
+              <a:rPr lang="fr-FR" sz="1300" dirty="0" err="1" smtClean="0">
                 <a:solidFill>
                   <a:schemeClr val="tx1"/>
                 </a:solidFill>
@@ -11252,14 +11710,20 @@
               <a:t>deck</a:t>
             </a:r>
             <a:r>
-              <a:rPr lang="fr-FR" sz="1400" dirty="0">
-                <a:solidFill>
-                  <a:schemeClr val="tx1"/>
-                </a:solidFill>
-                <a:latin typeface="Liberation Sans"/>
-              </a:rPr>
-              <a:t>"</a:t>
-            </a:r>
+              <a:rPr lang="fr-FR" sz="1300" dirty="0" smtClean="0">
+                <a:solidFill>
+                  <a:schemeClr val="tx1"/>
+                </a:solidFill>
+                <a:latin typeface="Liberation Sans"/>
+              </a:rPr>
+              <a:t>"  (« d1 »)</a:t>
+            </a:r>
+            <a:endParaRPr lang="fr-FR" sz="1300" dirty="0">
+              <a:solidFill>
+                <a:schemeClr val="tx1"/>
+              </a:solidFill>
+              <a:latin typeface="Liberation Sans"/>
+            </a:endParaRPr>
           </a:p>
           <a:p>
             <a:pPr marL="342900" indent="-342900">
@@ -11270,7 +11734,7 @@
               <a:buAutoNum type="arabicPeriod"/>
             </a:pPr>
             <a:r>
-              <a:rPr lang="fr-FR" sz="1400" dirty="0">
+              <a:rPr lang="fr-FR" sz="1300" dirty="0">
                 <a:solidFill>
                   <a:schemeClr val="tx1"/>
                 </a:solidFill>
@@ -11288,7 +11752,7 @@
               <a:buAutoNum type="arabicPeriod"/>
             </a:pPr>
             <a:r>
-              <a:rPr lang="fr-FR" sz="1400" dirty="0">
+              <a:rPr lang="fr-FR" sz="1300" dirty="0">
                 <a:solidFill>
                   <a:schemeClr val="tx1"/>
                 </a:solidFill>
@@ -11306,7 +11770,7 @@
               <a:buAutoNum type="arabicPeriod"/>
             </a:pPr>
             <a:r>
-              <a:rPr lang="fr-FR" sz="1400" dirty="0">
+              <a:rPr lang="fr-FR" sz="1300" dirty="0">
                 <a:solidFill>
                   <a:schemeClr val="tx1"/>
                 </a:solidFill>
@@ -11323,7 +11787,7 @@
               <a:buNone/>
             </a:pPr>
             <a:r>
-              <a:rPr lang="fr-FR" sz="1400" u="sng" dirty="0">
+              <a:rPr lang="fr-FR" sz="1300" u="sng" dirty="0">
                 <a:solidFill>
                   <a:schemeClr val="tx1"/>
                 </a:solidFill>
@@ -11332,7 +11796,7 @@
               <a:t>Résultat attendu </a:t>
             </a:r>
             <a:r>
-              <a:rPr lang="fr-FR" sz="1400" dirty="0">
+              <a:rPr lang="fr-FR" sz="1300" dirty="0">
                 <a:solidFill>
                   <a:schemeClr val="tx1"/>
                 </a:solidFill>
@@ -11350,7 +11814,7 @@
               <a:buChar char="Ø"/>
             </a:pPr>
             <a:r>
-              <a:rPr lang="fr-FR" sz="1400" dirty="0">
+              <a:rPr lang="fr-FR" sz="1300" dirty="0">
                 <a:solidFill>
                   <a:schemeClr val="tx1"/>
                 </a:solidFill>
@@ -11368,7 +11832,7 @@
               <a:buChar char="Ø"/>
             </a:pPr>
             <a:r>
-              <a:rPr lang="fr-FR" sz="1400" dirty="0">
+              <a:rPr lang="fr-FR" sz="1300" dirty="0">
                 <a:solidFill>
                   <a:schemeClr val="tx1"/>
                 </a:solidFill>
@@ -11386,7 +11850,7 @@
               <a:buChar char="Ø"/>
             </a:pPr>
             <a:r>
-              <a:rPr lang="fr-FR" sz="1400" dirty="0">
+              <a:rPr lang="fr-FR" sz="1300" dirty="0">
                 <a:solidFill>
                   <a:schemeClr val="tx1"/>
                 </a:solidFill>
@@ -11403,7 +11867,7 @@
               <a:buNone/>
             </a:pPr>
             <a:r>
-              <a:rPr lang="fr-FR" sz="1400" u="sng" dirty="0">
+              <a:rPr lang="fr-FR" sz="1300" u="sng" dirty="0">
                 <a:solidFill>
                   <a:schemeClr val="tx1"/>
                 </a:solidFill>
@@ -11412,7 +11876,7 @@
               <a:t>Moyen de vérification </a:t>
             </a:r>
             <a:r>
-              <a:rPr lang="fr-FR" sz="1400" dirty="0">
+              <a:rPr lang="fr-FR" sz="1300" dirty="0">
                 <a:solidFill>
                   <a:schemeClr val="tx1"/>
                 </a:solidFill>
@@ -11430,7 +11894,7 @@
               <a:buChar char="Ø"/>
             </a:pPr>
             <a:r>
-              <a:rPr lang="fr-FR" sz="1400" dirty="0">
+              <a:rPr lang="fr-FR" sz="1300" dirty="0">
                 <a:solidFill>
                   <a:schemeClr val="tx1"/>
                 </a:solidFill>
@@ -11448,7 +11912,7 @@
               <a:buChar char="Ø"/>
             </a:pPr>
             <a:r>
-              <a:rPr lang="fr-FR" sz="1400" dirty="0">
+              <a:rPr lang="fr-FR" sz="1300" dirty="0">
                 <a:solidFill>
                   <a:schemeClr val="tx1"/>
                 </a:solidFill>
@@ -11466,7 +11930,7 @@
               <a:buChar char="Ø"/>
             </a:pPr>
             <a:r>
-              <a:rPr lang="fr-FR" sz="1400" dirty="0">
+              <a:rPr lang="fr-FR" sz="1300" dirty="0">
                 <a:solidFill>
                   <a:schemeClr val="tx1"/>
                 </a:solidFill>
@@ -11474,29 +11938,6 @@
               </a:rPr>
               <a:t>Affichage visuel</a:t>
             </a:r>
-          </a:p>
-        </p:txBody>
-      </p:sp>
-      <p:sp>
-        <p:nvSpPr>
-          <p:cNvPr id="5" name="Espace réservé de la date 4"/>
-          <p:cNvSpPr>
-            <a:spLocks noGrp="1"/>
-          </p:cNvSpPr>
-          <p:nvPr>
-            <p:ph type="dt" sz="half" idx="10"/>
-          </p:nvPr>
-        </p:nvSpPr>
-        <p:spPr/>
-        <p:txBody>
-          <a:bodyPr/>
-          <a:lstStyle/>
-          <a:p>
-            <a:fld id="{6E297C13-8A02-476A-BC32-9713B4BAFEC7}" type="datetime1">
-              <a:rPr lang="fr-FR" smtClean="0"/>
-              <a:t>22/10/2017</a:t>
-            </a:fld>
-            <a:endParaRPr lang="fr-FR" dirty="0"/>
           </a:p>
         </p:txBody>
       </p:sp>
@@ -11579,6 +12020,10 @@
               <a:rPr lang="fr-FR" dirty="0"/>
               <a:t>détruire une carte</a:t>
             </a:r>
+            <a:r>
+              <a:rPr lang="fr-FR" sz="3200" dirty="0"/>
+              <a:t/>
+            </a:r>
             <a:br>
               <a:rPr lang="fr-FR" sz="3200" dirty="0"/>
             </a:br>
@@ -11601,8 +12046,8 @@
         </p:nvSpPr>
         <p:spPr>
           <a:xfrm>
-            <a:off x="1187019" y="1345184"/>
-            <a:ext cx="4908982" cy="5203394"/>
+            <a:off x="875899" y="1345184"/>
+            <a:ext cx="5220102" cy="5203394"/>
           </a:xfrm>
         </p:spPr>
         <p:txBody>
@@ -11952,7 +12397,7 @@
           <p:cNvPr id="4" name="Espace réservé du contenu 3">
             <a:extLst>
               <a:ext uri="{FF2B5EF4-FFF2-40B4-BE49-F238E27FC236}">
-                <a16:creationId xmlns:a16="http://schemas.microsoft.com/office/drawing/2014/main" id="{780974CA-2D62-4A2E-A8D1-4A049B27A9CF}"/>
+                <a16:creationId xmlns:a16="http://schemas.microsoft.com/office/drawing/2014/main" xmlns="" id="{780974CA-2D62-4A2E-A8D1-4A049B27A9CF}"/>
               </a:ext>
             </a:extLst>
           </p:cNvPr>
@@ -11965,13 +12410,13 @@
         </p:nvSpPr>
         <p:spPr>
           <a:xfrm>
-            <a:off x="6525087" y="1704513"/>
-            <a:ext cx="4904913" cy="4591266"/>
+            <a:off x="6096001" y="1704513"/>
+            <a:ext cx="5897077" cy="4591266"/>
           </a:xfrm>
         </p:spPr>
         <p:txBody>
           <a:bodyPr>
-            <a:normAutofit lnSpcReduction="10000"/>
+            <a:normAutofit/>
           </a:bodyPr>
           <a:lstStyle/>
           <a:p>
@@ -12250,13 +12695,22 @@
               <a:t>	</a:t>
             </a:r>
             <a:r>
-              <a:rPr lang="fr-FR" sz="1600" b="1" dirty="0">
-                <a:solidFill>
-                  <a:schemeClr val="tx1"/>
-                </a:solidFill>
-                <a:latin typeface="Liberation Sans"/>
-              </a:rPr>
-              <a:t>A2.1</a:t>
+              <a:rPr lang="fr-FR" sz="1600" b="1" dirty="0" smtClean="0">
+                <a:solidFill>
+                  <a:schemeClr val="tx1"/>
+                </a:solidFill>
+                <a:latin typeface="Liberation Sans"/>
+              </a:rPr>
+              <a:t>A1.1</a:t>
+            </a:r>
+            <a:r>
+              <a:rPr lang="fr-FR" sz="1600" dirty="0" smtClean="0">
+                <a:solidFill>
+                  <a:schemeClr val="tx1"/>
+                </a:solidFill>
+                <a:latin typeface="Liberation Sans"/>
+              </a:rPr>
+              <a:t> </a:t>
             </a:r>
             <a:r>
               <a:rPr lang="fr-FR" sz="1600" dirty="0">
@@ -12265,7 +12719,7 @@
                 </a:solidFill>
                 <a:latin typeface="Liberation Sans"/>
               </a:rPr>
-              <a:t> :   Si la liste est vide le système affiche « Vous n'avez plus de carte à détruire », fin de l'interaction.	 </a:t>
+              <a:t>:   Si la liste est vide le système affiche « Vous n'avez plus de carte à détruire », fin de l'interaction.	 </a:t>
             </a:r>
           </a:p>
           <a:p>
@@ -12288,13 +12742,22 @@
               <a:t>	</a:t>
             </a:r>
             <a:r>
-              <a:rPr lang="fr-FR" sz="1600" b="1" dirty="0">
-                <a:solidFill>
-                  <a:schemeClr val="tx1"/>
-                </a:solidFill>
-                <a:latin typeface="Liberation Sans"/>
-              </a:rPr>
-              <a:t>A2.2</a:t>
+              <a:rPr lang="fr-FR" sz="1600" b="1" dirty="0" smtClean="0">
+                <a:solidFill>
+                  <a:schemeClr val="tx1"/>
+                </a:solidFill>
+                <a:latin typeface="Liberation Sans"/>
+              </a:rPr>
+              <a:t>A1.2</a:t>
+            </a:r>
+            <a:r>
+              <a:rPr lang="fr-FR" sz="1600" dirty="0" smtClean="0">
+                <a:solidFill>
+                  <a:schemeClr val="tx1"/>
+                </a:solidFill>
+                <a:latin typeface="Liberation Sans"/>
+              </a:rPr>
+              <a:t> </a:t>
             </a:r>
             <a:r>
               <a:rPr lang="fr-FR" sz="1600" dirty="0">
@@ -12303,7 +12766,7 @@
                 </a:solidFill>
                 <a:latin typeface="Liberation Sans"/>
               </a:rPr>
-              <a:t> :   Retour en SN2.</a:t>
+              <a:t>:   Retour en SN2.</a:t>
             </a:r>
           </a:p>
           <a:p>
@@ -12388,29 +12851,6 @@
             <a:endParaRPr lang="fr-FR" sz="1400" dirty="0">
               <a:latin typeface="Liberation Sans"/>
             </a:endParaRPr>
-          </a:p>
-        </p:txBody>
-      </p:sp>
-      <p:sp>
-        <p:nvSpPr>
-          <p:cNvPr id="5" name="Espace réservé de la date 4"/>
-          <p:cNvSpPr>
-            <a:spLocks noGrp="1"/>
-          </p:cNvSpPr>
-          <p:nvPr>
-            <p:ph type="dt" sz="half" idx="10"/>
-          </p:nvPr>
-        </p:nvSpPr>
-        <p:spPr/>
-        <p:txBody>
-          <a:bodyPr/>
-          <a:lstStyle/>
-          <a:p>
-            <a:fld id="{6E297C13-8A02-476A-BC32-9713B4BAFEC7}" type="datetime1">
-              <a:rPr lang="fr-FR" smtClean="0"/>
-              <a:t>22/10/2017</a:t>
-            </a:fld>
-            <a:endParaRPr lang="fr-FR" dirty="0"/>
           </a:p>
         </p:txBody>
       </p:sp>
@@ -12489,6 +12929,10 @@
               <a:rPr lang="fr-FR" dirty="0"/>
               <a:t>détruire une carte</a:t>
             </a:r>
+            <a:r>
+              <a:rPr lang="fr-FR" sz="3200" dirty="0"/>
+              <a:t/>
+            </a:r>
             <a:br>
               <a:rPr lang="fr-FR" sz="3200" dirty="0"/>
             </a:br>
@@ -12500,29 +12944,6 @@
               <a:rPr lang="fr-FR" sz="3200" dirty="0"/>
             </a:br>
             <a:endParaRPr lang="fr-FR" sz="2800" dirty="0"/>
-          </a:p>
-        </p:txBody>
-      </p:sp>
-      <p:sp>
-        <p:nvSpPr>
-          <p:cNvPr id="4" name="Espace réservé de la date 3"/>
-          <p:cNvSpPr>
-            <a:spLocks noGrp="1"/>
-          </p:cNvSpPr>
-          <p:nvPr>
-            <p:ph type="dt" sz="half" idx="10"/>
-          </p:nvPr>
-        </p:nvSpPr>
-        <p:spPr/>
-        <p:txBody>
-          <a:bodyPr/>
-          <a:lstStyle/>
-          <a:p>
-            <a:fld id="{8D8251DC-D010-4512-9E64-0AD1A731F3B7}" type="datetime1">
-              <a:rPr lang="fr-FR" smtClean="0"/>
-              <a:t>22/10/2017</a:t>
-            </a:fld>
-            <a:endParaRPr lang="fr-FR"/>
           </a:p>
         </p:txBody>
       </p:sp>
@@ -12629,6 +13050,10 @@
               <a:rPr lang="fr-FR" dirty="0"/>
               <a:t>Détruire une carte</a:t>
             </a:r>
+            <a:r>
+              <a:rPr lang="fr-FR" sz="4000" dirty="0"/>
+              <a:t/>
+            </a:r>
             <a:br>
               <a:rPr lang="fr-FR" sz="4000" dirty="0"/>
             </a:br>
@@ -12728,8 +13153,23 @@
                 </a:solidFill>
                 <a:latin typeface="Liberation Sans"/>
               </a:rPr>
-              <a:t>--</a:t>
-            </a:r>
+              <a:t>c</a:t>
+            </a:r>
+            <a:r>
+              <a:rPr lang="fr-FR" sz="5600" dirty="0" smtClean="0">
+                <a:solidFill>
+                  <a:schemeClr val="tx1"/>
+                </a:solidFill>
+                <a:latin typeface="Liberation Sans"/>
+              </a:rPr>
+              <a:t>arte=« C06 »</a:t>
+            </a:r>
+            <a:endParaRPr lang="fr-FR" sz="5600" dirty="0">
+              <a:solidFill>
+                <a:schemeClr val="tx1"/>
+              </a:solidFill>
+              <a:latin typeface="Liberation Sans"/>
+            </a:endParaRPr>
           </a:p>
           <a:p>
             <a:pPr marL="0" indent="0">
@@ -12982,14 +13422,20 @@
               <a:t>Entrées : </a:t>
             </a:r>
             <a:r>
-              <a:rPr lang="fr-FR" sz="1400" dirty="0">
-                <a:solidFill>
-                  <a:schemeClr val="tx1"/>
-                </a:solidFill>
-                <a:latin typeface="Liberation Sans"/>
-              </a:rPr>
-              <a:t>--</a:t>
-            </a:r>
+              <a:rPr lang="fr-FR" sz="1400" dirty="0" smtClean="0">
+                <a:solidFill>
+                  <a:schemeClr val="tx1"/>
+                </a:solidFill>
+                <a:latin typeface="Liberation Sans"/>
+              </a:rPr>
+              <a:t>carte=« L12 »</a:t>
+            </a:r>
+            <a:endParaRPr lang="fr-FR" sz="1400" dirty="0">
+              <a:solidFill>
+                <a:schemeClr val="tx1"/>
+              </a:solidFill>
+              <a:latin typeface="Liberation Sans"/>
+            </a:endParaRPr>
           </a:p>
           <a:p>
             <a:pPr marL="0" indent="0">
@@ -13164,29 +13610,6 @@
               </a:rPr>
               <a:t>Affiche le solde du joueur.</a:t>
             </a:r>
-          </a:p>
-        </p:txBody>
-      </p:sp>
-      <p:sp>
-        <p:nvSpPr>
-          <p:cNvPr id="5" name="Espace réservé de la date 4"/>
-          <p:cNvSpPr>
-            <a:spLocks noGrp="1"/>
-          </p:cNvSpPr>
-          <p:nvPr>
-            <p:ph type="dt" sz="half" idx="10"/>
-          </p:nvPr>
-        </p:nvSpPr>
-        <p:spPr/>
-        <p:txBody>
-          <a:bodyPr/>
-          <a:lstStyle/>
-          <a:p>
-            <a:fld id="{6E297C13-8A02-476A-BC32-9713B4BAFEC7}" type="datetime1">
-              <a:rPr lang="fr-FR" smtClean="0"/>
-              <a:t>22/10/2017</a:t>
-            </a:fld>
-            <a:endParaRPr lang="fr-FR"/>
           </a:p>
         </p:txBody>
       </p:sp>
@@ -13264,6 +13687,10 @@
               <a:rPr lang="fr-FR" dirty="0"/>
               <a:t>Détruire une carte</a:t>
             </a:r>
+            <a:r>
+              <a:rPr lang="fr-FR" sz="5400" dirty="0"/>
+              <a:t/>
+            </a:r>
             <a:br>
               <a:rPr lang="fr-FR" sz="5400" dirty="0"/>
             </a:br>
@@ -13346,14 +13773,20 @@
               <a:t>Entrée : </a:t>
             </a:r>
             <a:r>
-              <a:rPr lang="fr-FR" sz="1400" dirty="0">
-                <a:solidFill>
-                  <a:schemeClr val="tx1"/>
-                </a:solidFill>
-                <a:latin typeface="Liberation Sans"/>
-              </a:rPr>
-              <a:t>--</a:t>
-            </a:r>
+              <a:rPr lang="fr-FR" sz="1400" dirty="0" smtClean="0">
+                <a:solidFill>
+                  <a:schemeClr val="tx1"/>
+                </a:solidFill>
+                <a:latin typeface="Liberation Sans"/>
+              </a:rPr>
+              <a:t>carte=« R08 »</a:t>
+            </a:r>
+            <a:endParaRPr lang="fr-FR" sz="1400" dirty="0">
+              <a:solidFill>
+                <a:schemeClr val="tx1"/>
+              </a:solidFill>
+              <a:latin typeface="Liberation Sans"/>
+            </a:endParaRPr>
           </a:p>
           <a:p>
             <a:pPr marL="0" indent="0">
@@ -13785,29 +14218,6 @@
               </a:rPr>
               <a:t>Affiche le solde du joueur pour vérifier que celui-ci n'a pas été modifié.</a:t>
             </a:r>
-          </a:p>
-        </p:txBody>
-      </p:sp>
-      <p:sp>
-        <p:nvSpPr>
-          <p:cNvPr id="5" name="Espace réservé de la date 4"/>
-          <p:cNvSpPr>
-            <a:spLocks noGrp="1"/>
-          </p:cNvSpPr>
-          <p:nvPr>
-            <p:ph type="dt" sz="half" idx="10"/>
-          </p:nvPr>
-        </p:nvSpPr>
-        <p:spPr/>
-        <p:txBody>
-          <a:bodyPr/>
-          <a:lstStyle/>
-          <a:p>
-            <a:fld id="{6E297C13-8A02-476A-BC32-9713B4BAFEC7}" type="datetime1">
-              <a:rPr lang="fr-FR" smtClean="0"/>
-              <a:t>22/10/2017</a:t>
-            </a:fld>
-            <a:endParaRPr lang="fr-FR"/>
           </a:p>
         </p:txBody>
       </p:sp>
@@ -13896,29 +14306,6 @@
       </p:sp>
       <p:sp>
         <p:nvSpPr>
-          <p:cNvPr id="4" name="Espace réservé de la date 3"/>
-          <p:cNvSpPr>
-            <a:spLocks noGrp="1"/>
-          </p:cNvSpPr>
-          <p:nvPr>
-            <p:ph type="dt" sz="half" idx="10"/>
-          </p:nvPr>
-        </p:nvSpPr>
-        <p:spPr/>
-        <p:txBody>
-          <a:bodyPr/>
-          <a:lstStyle/>
-          <a:p>
-            <a:fld id="{8D8251DC-D010-4512-9E64-0AD1A731F3B7}" type="datetime1">
-              <a:rPr lang="fr-FR" smtClean="0"/>
-              <a:t>22/10/2017</a:t>
-            </a:fld>
-            <a:endParaRPr lang="fr-FR"/>
-          </a:p>
-        </p:txBody>
-      </p:sp>
-      <p:sp>
-        <p:nvSpPr>
           <p:cNvPr id="5" name="Espace réservé du numéro de diapositive 4"/>
           <p:cNvSpPr>
             <a:spLocks noGrp="1"/>
@@ -13987,7 +14374,7 @@
           <p:cNvPr id="2" name="Titre 1">
             <a:extLst>
               <a:ext uri="{FF2B5EF4-FFF2-40B4-BE49-F238E27FC236}">
-                <a16:creationId xmlns:a16="http://schemas.microsoft.com/office/drawing/2014/main" id="{7985DEC1-3319-4242-A9FD-D8C4CB35A6FF}"/>
+                <a16:creationId xmlns:a16="http://schemas.microsoft.com/office/drawing/2014/main" xmlns="" id="{7985DEC1-3319-4242-A9FD-D8C4CB35A6FF}"/>
               </a:ext>
             </a:extLst>
           </p:cNvPr>
@@ -14021,7 +14408,7 @@
           <p:cNvPr id="3" name="Espace réservé du contenu 2">
             <a:extLst>
               <a:ext uri="{FF2B5EF4-FFF2-40B4-BE49-F238E27FC236}">
-                <a16:creationId xmlns:a16="http://schemas.microsoft.com/office/drawing/2014/main" id="{D851DD03-D7A3-4FEE-9006-66F178B8C905}"/>
+                <a16:creationId xmlns:a16="http://schemas.microsoft.com/office/drawing/2014/main" xmlns="" id="{D851DD03-D7A3-4FEE-9006-66F178B8C905}"/>
               </a:ext>
             </a:extLst>
           </p:cNvPr>
@@ -14101,39 +14488,10 @@
       </p:sp>
       <p:sp>
         <p:nvSpPr>
-          <p:cNvPr id="4" name="Espace réservé de la date 3">
-            <a:extLst>
-              <a:ext uri="{FF2B5EF4-FFF2-40B4-BE49-F238E27FC236}">
-                <a16:creationId xmlns:a16="http://schemas.microsoft.com/office/drawing/2014/main" id="{47CEFEE9-7F76-4DD5-8355-3F1EEE08C4D5}"/>
-              </a:ext>
-            </a:extLst>
-          </p:cNvPr>
-          <p:cNvSpPr>
-            <a:spLocks noGrp="1"/>
-          </p:cNvSpPr>
-          <p:nvPr>
-            <p:ph type="dt" sz="half" idx="10"/>
-          </p:nvPr>
-        </p:nvSpPr>
-        <p:spPr/>
-        <p:txBody>
-          <a:bodyPr/>
-          <a:lstStyle/>
-          <a:p>
-            <a:fld id="{4C20E91B-2A72-4F78-9F83-5AAC5F048518}" type="datetime1">
-              <a:rPr lang="fr-FR" smtClean="0"/>
-              <a:t>22/10/2017</a:t>
-            </a:fld>
-            <a:endParaRPr lang="fr-FR"/>
-          </a:p>
-        </p:txBody>
-      </p:sp>
-      <p:sp>
-        <p:nvSpPr>
           <p:cNvPr id="5" name="Espace réservé du numéro de diapositive 4">
             <a:extLst>
               <a:ext uri="{FF2B5EF4-FFF2-40B4-BE49-F238E27FC236}">
-                <a16:creationId xmlns:a16="http://schemas.microsoft.com/office/drawing/2014/main" id="{3EE8D88A-5E44-4EBA-9D23-CB2F4C5B9529}"/>
+                <a16:creationId xmlns:a16="http://schemas.microsoft.com/office/drawing/2014/main" xmlns="" id="{3EE8D88A-5E44-4EBA-9D23-CB2F4C5B9529}"/>
               </a:ext>
             </a:extLst>
           </p:cNvPr>
@@ -14162,7 +14520,7 @@
           <p:cNvPr id="7" name="Image 6">
             <a:extLst>
               <a:ext uri="{FF2B5EF4-FFF2-40B4-BE49-F238E27FC236}">
-                <a16:creationId xmlns:a16="http://schemas.microsoft.com/office/drawing/2014/main" id="{873E4D9F-9DB9-4C6B-A8AA-862697D33619}"/>
+                <a16:creationId xmlns:a16="http://schemas.microsoft.com/office/drawing/2014/main" xmlns="" id="{873E4D9F-9DB9-4C6B-A8AA-862697D33619}"/>
               </a:ext>
             </a:extLst>
           </p:cNvPr>
@@ -14172,7 +14530,7 @@
           <p:nvPr/>
         </p:nvPicPr>
         <p:blipFill>
-          <a:blip r:embed="rId2">
+          <a:blip r:embed="rId2" cstate="print">
             <a:extLst>
               <a:ext uri="{28A0092B-C50C-407E-A947-70E740481C1C}">
                 <a14:useLocalDpi xmlns:a14="http://schemas.microsoft.com/office/drawing/2010/main" val="0"/>
@@ -14198,7 +14556,7 @@
           <p:cNvPr id="8" name="Image 7">
             <a:extLst>
               <a:ext uri="{FF2B5EF4-FFF2-40B4-BE49-F238E27FC236}">
-                <a16:creationId xmlns:a16="http://schemas.microsoft.com/office/drawing/2014/main" id="{98E59CCB-E449-4BD0-8755-D44D248C0BA2}"/>
+                <a16:creationId xmlns:a16="http://schemas.microsoft.com/office/drawing/2014/main" xmlns="" id="{98E59CCB-E449-4BD0-8755-D44D248C0BA2}"/>
               </a:ext>
             </a:extLst>
           </p:cNvPr>
@@ -14208,7 +14566,7 @@
           <p:nvPr/>
         </p:nvPicPr>
         <p:blipFill>
-          <a:blip r:embed="rId2">
+          <a:blip r:embed="rId3" cstate="print">
             <a:extLst>
               <a:ext uri="{28A0092B-C50C-407E-A947-70E740481C1C}">
                 <a14:useLocalDpi xmlns:a14="http://schemas.microsoft.com/office/drawing/2010/main" val="0"/>
@@ -14264,7 +14622,7 @@
           <p:cNvPr id="2" name="Titre 1">
             <a:extLst>
               <a:ext uri="{FF2B5EF4-FFF2-40B4-BE49-F238E27FC236}">
-                <a16:creationId xmlns:a16="http://schemas.microsoft.com/office/drawing/2014/main" id="{6248055D-4222-4B28-8965-524DD130BD5D}"/>
+                <a16:creationId xmlns:a16="http://schemas.microsoft.com/office/drawing/2014/main" xmlns="" id="{6248055D-4222-4B28-8965-524DD130BD5D}"/>
               </a:ext>
             </a:extLst>
           </p:cNvPr>
@@ -14293,7 +14651,7 @@
           <p:cNvPr id="3" name="Espace réservé du contenu 2">
             <a:extLst>
               <a:ext uri="{FF2B5EF4-FFF2-40B4-BE49-F238E27FC236}">
-                <a16:creationId xmlns:a16="http://schemas.microsoft.com/office/drawing/2014/main" id="{ABFB1D10-460E-4B72-A2D7-327D884B547E}"/>
+                <a16:creationId xmlns:a16="http://schemas.microsoft.com/office/drawing/2014/main" xmlns="" id="{ABFB1D10-460E-4B72-A2D7-327D884B547E}"/>
               </a:ext>
             </a:extLst>
           </p:cNvPr>
@@ -14426,39 +14784,10 @@
       </p:sp>
       <p:sp>
         <p:nvSpPr>
-          <p:cNvPr id="4" name="Espace réservé de la date 3">
-            <a:extLst>
-              <a:ext uri="{FF2B5EF4-FFF2-40B4-BE49-F238E27FC236}">
-                <a16:creationId xmlns:a16="http://schemas.microsoft.com/office/drawing/2014/main" id="{4182CCE7-A621-474B-BE64-7E3890413C0D}"/>
-              </a:ext>
-            </a:extLst>
-          </p:cNvPr>
-          <p:cNvSpPr>
-            <a:spLocks noGrp="1"/>
-          </p:cNvSpPr>
-          <p:nvPr>
-            <p:ph type="dt" sz="half" idx="10"/>
-          </p:nvPr>
-        </p:nvSpPr>
-        <p:spPr/>
-        <p:txBody>
-          <a:bodyPr/>
-          <a:lstStyle/>
-          <a:p>
-            <a:fld id="{6586D8E6-D7A2-42A5-8515-45792FFC4FC5}" type="datetime1">
-              <a:rPr lang="fr-FR" smtClean="0"/>
-              <a:t>22/10/2017</a:t>
-            </a:fld>
-            <a:endParaRPr lang="fr-FR"/>
-          </a:p>
-        </p:txBody>
-      </p:sp>
-      <p:sp>
-        <p:nvSpPr>
           <p:cNvPr id="5" name="Espace réservé du numéro de diapositive 4">
             <a:extLst>
               <a:ext uri="{FF2B5EF4-FFF2-40B4-BE49-F238E27FC236}">
-                <a16:creationId xmlns:a16="http://schemas.microsoft.com/office/drawing/2014/main" id="{E5D6EF64-3541-4C0B-896C-0CEE3F1675E2}"/>
+                <a16:creationId xmlns:a16="http://schemas.microsoft.com/office/drawing/2014/main" xmlns="" id="{E5D6EF64-3541-4C0B-896C-0CEE3F1675E2}"/>
               </a:ext>
             </a:extLst>
           </p:cNvPr>
@@ -14491,7 +14820,7 @@
           <p:nvPr/>
         </p:nvPicPr>
         <p:blipFill>
-          <a:blip r:embed="rId2">
+          <a:blip r:embed="rId2" cstate="print">
             <a:extLst>
               <a:ext uri="{28A0092B-C50C-407E-A947-70E740481C1C}">
                 <a14:useLocalDpi xmlns:a14="http://schemas.microsoft.com/office/drawing/2010/main" val="0"/>
@@ -14517,7 +14846,7 @@
           <p:cNvPr id="8" name="Image 7">
             <a:extLst>
               <a:ext uri="{FF2B5EF4-FFF2-40B4-BE49-F238E27FC236}">
-                <a16:creationId xmlns:a16="http://schemas.microsoft.com/office/drawing/2014/main" id="{B226CC4E-CB5F-4374-A97F-1965E2C9EA3E}"/>
+                <a16:creationId xmlns:a16="http://schemas.microsoft.com/office/drawing/2014/main" xmlns="" id="{B226CC4E-CB5F-4374-A97F-1965E2C9EA3E}"/>
               </a:ext>
             </a:extLst>
           </p:cNvPr>
@@ -14554,7 +14883,7 @@
           <p:cNvPr id="10" name="Image 9">
             <a:extLst>
               <a:ext uri="{FF2B5EF4-FFF2-40B4-BE49-F238E27FC236}">
-                <a16:creationId xmlns:a16="http://schemas.microsoft.com/office/drawing/2014/main" id="{BB2E8091-8EB3-4221-BFB9-041C9215354A}"/>
+                <a16:creationId xmlns:a16="http://schemas.microsoft.com/office/drawing/2014/main" xmlns="" id="{BB2E8091-8EB3-4221-BFB9-041C9215354A}"/>
               </a:ext>
             </a:extLst>
           </p:cNvPr>
@@ -14590,7 +14919,7 @@
           <p:cNvPr id="12" name="Image 11">
             <a:extLst>
               <a:ext uri="{FF2B5EF4-FFF2-40B4-BE49-F238E27FC236}">
-                <a16:creationId xmlns:a16="http://schemas.microsoft.com/office/drawing/2014/main" id="{4973C571-4CB8-488C-8CCE-D917BA349D43}"/>
+                <a16:creationId xmlns:a16="http://schemas.microsoft.com/office/drawing/2014/main" xmlns="" id="{4973C571-4CB8-488C-8CCE-D917BA349D43}"/>
               </a:ext>
             </a:extLst>
           </p:cNvPr>
@@ -14656,7 +14985,7 @@
           <p:cNvPr id="2" name="Titre 1">
             <a:extLst>
               <a:ext uri="{FF2B5EF4-FFF2-40B4-BE49-F238E27FC236}">
-                <a16:creationId xmlns:a16="http://schemas.microsoft.com/office/drawing/2014/main" id="{69B219DF-0987-4F02-8EE2-2B9D41AEF4A0}"/>
+                <a16:creationId xmlns:a16="http://schemas.microsoft.com/office/drawing/2014/main" xmlns="" id="{69B219DF-0987-4F02-8EE2-2B9D41AEF4A0}"/>
               </a:ext>
             </a:extLst>
           </p:cNvPr>
@@ -14689,39 +15018,10 @@
       </p:sp>
       <p:sp>
         <p:nvSpPr>
-          <p:cNvPr id="4" name="Espace réservé de la date 3">
-            <a:extLst>
-              <a:ext uri="{FF2B5EF4-FFF2-40B4-BE49-F238E27FC236}">
-                <a16:creationId xmlns:a16="http://schemas.microsoft.com/office/drawing/2014/main" id="{C7BB3135-4526-41A7-B370-ADE6B4532B20}"/>
-              </a:ext>
-            </a:extLst>
-          </p:cNvPr>
-          <p:cNvSpPr>
-            <a:spLocks noGrp="1"/>
-          </p:cNvSpPr>
-          <p:nvPr>
-            <p:ph type="dt" sz="half" idx="10"/>
-          </p:nvPr>
-        </p:nvSpPr>
-        <p:spPr/>
-        <p:txBody>
-          <a:bodyPr/>
-          <a:lstStyle/>
-          <a:p>
-            <a:fld id="{8D8251DC-D010-4512-9E64-0AD1A731F3B7}" type="datetime1">
-              <a:rPr lang="fr-FR" smtClean="0"/>
-              <a:t>22/10/2017</a:t>
-            </a:fld>
-            <a:endParaRPr lang="fr-FR"/>
-          </a:p>
-        </p:txBody>
-      </p:sp>
-      <p:sp>
-        <p:nvSpPr>
           <p:cNvPr id="5" name="Espace réservé du numéro de diapositive 4">
             <a:extLst>
               <a:ext uri="{FF2B5EF4-FFF2-40B4-BE49-F238E27FC236}">
-                <a16:creationId xmlns:a16="http://schemas.microsoft.com/office/drawing/2014/main" id="{91A88B43-B845-422F-9A99-B82D3165EBBD}"/>
+                <a16:creationId xmlns:a16="http://schemas.microsoft.com/office/drawing/2014/main" xmlns="" id="{91A88B43-B845-422F-9A99-B82D3165EBBD}"/>
               </a:ext>
             </a:extLst>
           </p:cNvPr>
@@ -14750,7 +15050,7 @@
           <p:cNvPr id="12" name="Image 11">
             <a:extLst>
               <a:ext uri="{FF2B5EF4-FFF2-40B4-BE49-F238E27FC236}">
-                <a16:creationId xmlns:a16="http://schemas.microsoft.com/office/drawing/2014/main" id="{D87E166E-099F-489E-A891-E52FD2DF800E}"/>
+                <a16:creationId xmlns:a16="http://schemas.microsoft.com/office/drawing/2014/main" xmlns="" id="{D87E166E-099F-489E-A891-E52FD2DF800E}"/>
               </a:ext>
             </a:extLst>
           </p:cNvPr>
@@ -14786,7 +15086,7 @@
           <p:cNvPr id="15" name="Espace réservé du contenu 14">
             <a:extLst>
               <a:ext uri="{FF2B5EF4-FFF2-40B4-BE49-F238E27FC236}">
-                <a16:creationId xmlns:a16="http://schemas.microsoft.com/office/drawing/2014/main" id="{ABFBFD79-6105-4CC8-A734-ABC364FFCC88}"/>
+                <a16:creationId xmlns:a16="http://schemas.microsoft.com/office/drawing/2014/main" xmlns="" id="{ABFBFD79-6105-4CC8-A734-ABC364FFCC88}"/>
               </a:ext>
             </a:extLst>
           </p:cNvPr>
@@ -14855,7 +15155,7 @@
           <p:cNvPr id="17" name="Image 16">
             <a:extLst>
               <a:ext uri="{FF2B5EF4-FFF2-40B4-BE49-F238E27FC236}">
-                <a16:creationId xmlns:a16="http://schemas.microsoft.com/office/drawing/2014/main" id="{61B9EC13-2B51-447A-BE77-BF1852137B1F}"/>
+                <a16:creationId xmlns:a16="http://schemas.microsoft.com/office/drawing/2014/main" xmlns="" id="{61B9EC13-2B51-447A-BE77-BF1852137B1F}"/>
               </a:ext>
             </a:extLst>
           </p:cNvPr>
@@ -14943,29 +15243,6 @@
       </p:sp>
       <p:sp>
         <p:nvSpPr>
-          <p:cNvPr id="5" name="Espace réservé de la date 4"/>
-          <p:cNvSpPr>
-            <a:spLocks noGrp="1"/>
-          </p:cNvSpPr>
-          <p:nvPr>
-            <p:ph type="dt" sz="half" idx="10"/>
-          </p:nvPr>
-        </p:nvSpPr>
-        <p:spPr/>
-        <p:txBody>
-          <a:bodyPr/>
-          <a:lstStyle/>
-          <a:p>
-            <a:fld id="{6E297C13-8A02-476A-BC32-9713B4BAFEC7}" type="datetime1">
-              <a:rPr lang="fr-FR" smtClean="0"/>
-              <a:t>22/10/2017</a:t>
-            </a:fld>
-            <a:endParaRPr lang="fr-FR"/>
-          </a:p>
-        </p:txBody>
-      </p:sp>
-      <p:sp>
-        <p:nvSpPr>
           <p:cNvPr id="6" name="Espace réservé du numéro de diapositive 5"/>
           <p:cNvSpPr>
             <a:spLocks noGrp="1"/>
@@ -14992,7 +15269,7 @@
           <p:cNvPr id="13" name="Espace réservé du contenu 12">
             <a:extLst>
               <a:ext uri="{FF2B5EF4-FFF2-40B4-BE49-F238E27FC236}">
-                <a16:creationId xmlns:a16="http://schemas.microsoft.com/office/drawing/2014/main" id="{80A0C2FC-C8B8-45CD-83C7-802D50CAD58B}"/>
+                <a16:creationId xmlns:a16="http://schemas.microsoft.com/office/drawing/2014/main" xmlns="" id="{80A0C2FC-C8B8-45CD-83C7-802D50CAD58B}"/>
               </a:ext>
             </a:extLst>
           </p:cNvPr>
@@ -15078,29 +15355,6 @@
       </p:sp>
       <p:sp>
         <p:nvSpPr>
-          <p:cNvPr id="4" name="Espace réservé de la date 3"/>
-          <p:cNvSpPr>
-            <a:spLocks noGrp="1"/>
-          </p:cNvSpPr>
-          <p:nvPr>
-            <p:ph type="dt" sz="half" idx="10"/>
-          </p:nvPr>
-        </p:nvSpPr>
-        <p:spPr/>
-        <p:txBody>
-          <a:bodyPr/>
-          <a:lstStyle/>
-          <a:p>
-            <a:fld id="{8D8251DC-D010-4512-9E64-0AD1A731F3B7}" type="datetime1">
-              <a:rPr lang="fr-FR" smtClean="0"/>
-              <a:t>22/10/2017</a:t>
-            </a:fld>
-            <a:endParaRPr lang="fr-FR"/>
-          </a:p>
-        </p:txBody>
-      </p:sp>
-      <p:sp>
-        <p:nvSpPr>
           <p:cNvPr id="5" name="Espace réservé du numéro de diapositive 4"/>
           <p:cNvSpPr>
             <a:spLocks noGrp="1"/>
@@ -15127,7 +15381,7 @@
           <p:cNvPr id="15" name="Espace réservé du contenu 14">
             <a:extLst>
               <a:ext uri="{FF2B5EF4-FFF2-40B4-BE49-F238E27FC236}">
-                <a16:creationId xmlns:a16="http://schemas.microsoft.com/office/drawing/2014/main" id="{F5C26E6C-2A4F-4833-B00B-A39314C231C0}"/>
+                <a16:creationId xmlns:a16="http://schemas.microsoft.com/office/drawing/2014/main" xmlns="" id="{F5C26E6C-2A4F-4833-B00B-A39314C231C0}"/>
               </a:ext>
             </a:extLst>
           </p:cNvPr>
@@ -15208,6 +15462,10 @@
               <a:rPr lang="fr-FR" dirty="0"/>
               <a:t>Acheter un PACK</a:t>
             </a:r>
+            <a:r>
+              <a:rPr lang="fr-FR" sz="3600" dirty="0"/>
+              <a:t/>
+            </a:r>
             <a:br>
               <a:rPr lang="fr-FR" sz="3600" dirty="0"/>
             </a:br>
@@ -16196,29 +16454,6 @@
               <a:ea typeface="Noto Sans CJK SC Regular" pitchFamily="2"/>
               <a:cs typeface="FreeSans" pitchFamily="2"/>
             </a:endParaRPr>
-          </a:p>
-        </p:txBody>
-      </p:sp>
-      <p:sp>
-        <p:nvSpPr>
-          <p:cNvPr id="5" name="Espace réservé de la date 4"/>
-          <p:cNvSpPr>
-            <a:spLocks noGrp="1"/>
-          </p:cNvSpPr>
-          <p:nvPr>
-            <p:ph type="dt" sz="half" idx="10"/>
-          </p:nvPr>
-        </p:nvSpPr>
-        <p:spPr/>
-        <p:txBody>
-          <a:bodyPr/>
-          <a:lstStyle/>
-          <a:p>
-            <a:fld id="{6E297C13-8A02-476A-BC32-9713B4BAFEC7}" type="datetime1">
-              <a:rPr lang="fr-FR" smtClean="0"/>
-              <a:t>22/10/2017</a:t>
-            </a:fld>
-            <a:endParaRPr lang="fr-FR"/>
           </a:p>
         </p:txBody>
       </p:sp>
@@ -16296,6 +16531,10 @@
               <a:rPr lang="fr-FR" dirty="0"/>
               <a:t>Acheter UN PACK</a:t>
             </a:r>
+            <a:r>
+              <a:rPr lang="fr-FR" sz="4000" dirty="0"/>
+              <a:t/>
+            </a:r>
             <a:br>
               <a:rPr lang="fr-FR" sz="4000" dirty="0"/>
             </a:br>
@@ -16318,8 +16557,8 @@
         </p:nvSpPr>
         <p:spPr>
           <a:xfrm>
-            <a:off x="1251678" y="1874517"/>
-            <a:ext cx="4800600" cy="4501161"/>
+            <a:off x="991402" y="1472665"/>
+            <a:ext cx="5060876" cy="4903013"/>
           </a:xfrm>
         </p:spPr>
         <p:txBody>
@@ -16349,7 +16588,7 @@
               </a:defRPr>
             </a:pPr>
             <a:r>
-              <a:rPr lang="fr-FR" sz="1600" dirty="0">
+              <a:rPr lang="fr-FR" sz="1800" dirty="0">
                 <a:solidFill>
                   <a:srgbClr val="000000"/>
                 </a:solidFill>
@@ -16359,7 +16598,7 @@
               <a:t> </a:t>
             </a:r>
             <a:r>
-              <a:rPr lang="fr-FR" sz="1600" b="1" dirty="0">
+              <a:rPr lang="fr-FR" sz="1800" b="1" dirty="0">
                 <a:solidFill>
                   <a:schemeClr val="tx1"/>
                 </a:solidFill>
@@ -16391,7 +16630,7 @@
               </a:defRPr>
             </a:pPr>
             <a:r>
-              <a:rPr lang="fr-FR" sz="1400" dirty="0">
+              <a:rPr lang="fr-FR" sz="1600" dirty="0">
                 <a:solidFill>
                   <a:schemeClr val="tx1"/>
                 </a:solidFill>
@@ -16401,7 +16640,7 @@
               <a:t>   </a:t>
             </a:r>
             <a:r>
-              <a:rPr lang="fr-FR" sz="1400" b="1" dirty="0">
+              <a:rPr lang="fr-FR" sz="1600" b="1" dirty="0">
                 <a:solidFill>
                   <a:schemeClr val="tx1"/>
                 </a:solidFill>
@@ -16411,7 +16650,7 @@
               <a:t>A1 :</a:t>
             </a:r>
             <a:r>
-              <a:rPr lang="fr-FR" sz="1400" dirty="0">
+              <a:rPr lang="fr-FR" sz="1600" dirty="0">
                 <a:solidFill>
                   <a:schemeClr val="tx1"/>
                 </a:solidFill>
@@ -16443,7 +16682,7 @@
               </a:defRPr>
             </a:pPr>
             <a:r>
-              <a:rPr lang="fr-FR" sz="1400" dirty="0">
+              <a:rPr lang="fr-FR" sz="1600" dirty="0">
                 <a:solidFill>
                   <a:schemeClr val="tx1"/>
                 </a:solidFill>
@@ -16475,7 +16714,7 @@
               </a:defRPr>
             </a:pPr>
             <a:r>
-              <a:rPr lang="fr-FR" sz="1400" dirty="0">
+              <a:rPr lang="fr-FR" sz="1600" dirty="0">
                 <a:solidFill>
                   <a:schemeClr val="tx1"/>
                 </a:solidFill>
@@ -16485,7 +16724,7 @@
               <a:t>	</a:t>
             </a:r>
             <a:r>
-              <a:rPr lang="fr-FR" sz="1400" b="1" dirty="0">
+              <a:rPr lang="fr-FR" sz="1600" b="1" dirty="0">
                 <a:solidFill>
                   <a:schemeClr val="tx1"/>
                 </a:solidFill>
@@ -16495,7 +16734,7 @@
               <a:t>A1.1 : </a:t>
             </a:r>
             <a:r>
-              <a:rPr lang="fr-FR" sz="1400" dirty="0">
+              <a:rPr lang="fr-FR" sz="1600" dirty="0">
                 <a:solidFill>
                   <a:schemeClr val="tx1"/>
                 </a:solidFill>
@@ -16527,7 +16766,7 @@
               </a:defRPr>
             </a:pPr>
             <a:r>
-              <a:rPr lang="fr-FR" sz="1400" dirty="0">
+              <a:rPr lang="fr-FR" sz="1600" dirty="0">
                 <a:solidFill>
                   <a:schemeClr val="tx1"/>
                 </a:solidFill>
@@ -16537,7 +16776,7 @@
               <a:t>	</a:t>
             </a:r>
             <a:r>
-              <a:rPr lang="fr-FR" sz="1400" b="1" dirty="0">
+              <a:rPr lang="fr-FR" sz="1600" b="1" dirty="0">
                 <a:solidFill>
                   <a:schemeClr val="tx1"/>
                 </a:solidFill>
@@ -16547,7 +16786,7 @@
               <a:t>A1.2 : </a:t>
             </a:r>
             <a:r>
-              <a:rPr lang="fr-FR" sz="1400" dirty="0">
+              <a:rPr lang="fr-FR" sz="1600" dirty="0">
                 <a:solidFill>
                   <a:schemeClr val="tx1"/>
                 </a:solidFill>
@@ -16578,7 +16817,7 @@
                 <a:cs typeface="FreeSans" pitchFamily="2"/>
               </a:defRPr>
             </a:pPr>
-            <a:endParaRPr lang="fr-FR" sz="1400" dirty="0">
+            <a:endParaRPr lang="fr-FR" sz="1600" dirty="0">
               <a:solidFill>
                 <a:srgbClr val="000000"/>
               </a:solidFill>
@@ -16608,7 +16847,7 @@
               </a:defRPr>
             </a:pPr>
             <a:r>
-              <a:rPr lang="fr-FR" sz="1400" b="1" dirty="0">
+              <a:rPr lang="fr-FR" sz="1600" b="1" dirty="0">
                 <a:solidFill>
                   <a:srgbClr val="000000"/>
                 </a:solidFill>
@@ -16618,7 +16857,7 @@
               <a:t>A2 :</a:t>
             </a:r>
             <a:r>
-              <a:rPr lang="fr-FR" sz="1400" dirty="0">
+              <a:rPr lang="fr-FR" sz="1600" dirty="0">
                 <a:solidFill>
                   <a:srgbClr val="000000"/>
                 </a:solidFill>
@@ -16650,7 +16889,7 @@
               </a:defRPr>
             </a:pPr>
             <a:r>
-              <a:rPr lang="fr-FR" sz="1400" dirty="0">
+              <a:rPr lang="fr-FR" sz="1600" dirty="0">
                 <a:solidFill>
                   <a:srgbClr val="000000"/>
                 </a:solidFill>
@@ -16682,7 +16921,7 @@
               </a:defRPr>
             </a:pPr>
             <a:r>
-              <a:rPr lang="fr-FR" sz="1400" dirty="0">
+              <a:rPr lang="fr-FR" sz="1600" dirty="0">
                 <a:solidFill>
                   <a:srgbClr val="000000"/>
                 </a:solidFill>
@@ -16713,7 +16952,7 @@
                 <a:cs typeface="FreeSans" pitchFamily="2"/>
               </a:defRPr>
             </a:pPr>
-            <a:endParaRPr lang="fr-FR" sz="1400" dirty="0">
+            <a:endParaRPr lang="fr-FR" sz="1600" dirty="0">
               <a:solidFill>
                 <a:srgbClr val="000000"/>
               </a:solidFill>
@@ -16743,7 +16982,7 @@
               </a:defRPr>
             </a:pPr>
             <a:r>
-              <a:rPr lang="fr-FR" sz="1400" b="1" dirty="0">
+              <a:rPr lang="fr-FR" sz="1600" b="1" dirty="0">
                 <a:solidFill>
                   <a:srgbClr val="000000"/>
                 </a:solidFill>
@@ -16753,7 +16992,7 @@
               <a:t>A3 :</a:t>
             </a:r>
             <a:r>
-              <a:rPr lang="fr-FR" sz="1400" dirty="0">
+              <a:rPr lang="fr-FR" sz="1600" dirty="0">
                 <a:solidFill>
                   <a:srgbClr val="000000"/>
                 </a:solidFill>
@@ -16785,7 +17024,7 @@
               </a:defRPr>
             </a:pPr>
             <a:r>
-              <a:rPr lang="fr-FR" sz="1400" dirty="0">
+              <a:rPr lang="fr-FR" sz="1600" dirty="0">
                 <a:solidFill>
                   <a:srgbClr val="000000"/>
                 </a:solidFill>
@@ -16817,7 +17056,7 @@
               </a:defRPr>
             </a:pPr>
             <a:r>
-              <a:rPr lang="fr-FR" sz="1400" dirty="0">
+              <a:rPr lang="fr-FR" sz="1600" dirty="0">
                 <a:solidFill>
                   <a:srgbClr val="000000"/>
                 </a:solidFill>
@@ -16827,7 +17066,7 @@
               <a:t>	</a:t>
             </a:r>
             <a:r>
-              <a:rPr lang="fr-FR" sz="1400" b="1" dirty="0">
+              <a:rPr lang="fr-FR" sz="1600" b="1" dirty="0">
                 <a:solidFill>
                   <a:srgbClr val="000000"/>
                 </a:solidFill>
@@ -16837,7 +17076,7 @@
               <a:t>A3.1 :</a:t>
             </a:r>
             <a:r>
-              <a:rPr lang="fr-FR" sz="1400" dirty="0">
+              <a:rPr lang="fr-FR" sz="1600" dirty="0">
                 <a:solidFill>
                   <a:srgbClr val="000000"/>
                 </a:solidFill>
@@ -16869,7 +17108,7 @@
               </a:defRPr>
             </a:pPr>
             <a:r>
-              <a:rPr lang="fr-FR" sz="1400" dirty="0">
+              <a:rPr lang="fr-FR" sz="1600" dirty="0">
                 <a:solidFill>
                   <a:srgbClr val="000000"/>
                 </a:solidFill>
@@ -16879,7 +17118,7 @@
               <a:t>	</a:t>
             </a:r>
             <a:r>
-              <a:rPr lang="fr-FR" sz="1400" b="1" dirty="0">
+              <a:rPr lang="fr-FR" sz="1600" b="1" dirty="0">
                 <a:solidFill>
                   <a:srgbClr val="000000"/>
                 </a:solidFill>
@@ -16889,7 +17128,7 @@
               <a:t>A3.2 :</a:t>
             </a:r>
             <a:r>
-              <a:rPr lang="fr-FR" sz="1400" dirty="0">
+              <a:rPr lang="fr-FR" sz="1600" dirty="0">
                 <a:solidFill>
                   <a:srgbClr val="000000"/>
                 </a:solidFill>
@@ -16913,8 +17152,8 @@
         </p:nvSpPr>
         <p:spPr>
           <a:xfrm>
-            <a:off x="6264709" y="1998804"/>
-            <a:ext cx="5165291" cy="4089678"/>
+            <a:off x="6264709" y="1472665"/>
+            <a:ext cx="5425567" cy="4903013"/>
           </a:xfrm>
         </p:spPr>
         <p:txBody>
@@ -16944,7 +17183,7 @@
               </a:defRPr>
             </a:pPr>
             <a:r>
-              <a:rPr lang="fr-FR" sz="1400" b="1" dirty="0">
+              <a:rPr lang="fr-FR" sz="1600" b="1" dirty="0">
                 <a:solidFill>
                   <a:srgbClr val="000000"/>
                 </a:solidFill>
@@ -16954,7 +17193,7 @@
               <a:t>A4 :</a:t>
             </a:r>
             <a:r>
-              <a:rPr lang="fr-FR" sz="1400" dirty="0">
+              <a:rPr lang="fr-FR" sz="1600" dirty="0">
                 <a:solidFill>
                   <a:srgbClr val="000000"/>
                 </a:solidFill>
@@ -16986,7 +17225,7 @@
               </a:defRPr>
             </a:pPr>
             <a:r>
-              <a:rPr lang="fr-FR" sz="1400" dirty="0">
+              <a:rPr lang="fr-FR" sz="1600" dirty="0">
                 <a:solidFill>
                   <a:srgbClr val="000000"/>
                 </a:solidFill>
@@ -17018,7 +17257,7 @@
               </a:defRPr>
             </a:pPr>
             <a:r>
-              <a:rPr lang="fr-FR" sz="1400" dirty="0">
+              <a:rPr lang="fr-FR" sz="1600" dirty="0">
                 <a:solidFill>
                   <a:srgbClr val="000000"/>
                 </a:solidFill>
@@ -17050,7 +17289,7 @@
               </a:defRPr>
             </a:pPr>
             <a:r>
-              <a:rPr lang="fr-FR" sz="1400" b="1" dirty="0">
+              <a:rPr lang="fr-FR" sz="1600" b="1" dirty="0">
                 <a:solidFill>
                   <a:srgbClr val="000000"/>
                 </a:solidFill>
@@ -17060,7 +17299,7 @@
               <a:t>A5 :</a:t>
             </a:r>
             <a:r>
-              <a:rPr lang="fr-FR" sz="1400" dirty="0">
+              <a:rPr lang="fr-FR" sz="1600" dirty="0">
                 <a:solidFill>
                   <a:srgbClr val="000000"/>
                 </a:solidFill>
@@ -17092,7 +17331,7 @@
               </a:defRPr>
             </a:pPr>
             <a:r>
-              <a:rPr lang="fr-FR" sz="1400" dirty="0">
+              <a:rPr lang="fr-FR" sz="1600" dirty="0">
                 <a:solidFill>
                   <a:srgbClr val="000000"/>
                 </a:solidFill>
@@ -17124,7 +17363,7 @@
               </a:defRPr>
             </a:pPr>
             <a:r>
-              <a:rPr lang="fr-FR" sz="1400" dirty="0">
+              <a:rPr lang="fr-FR" sz="1600" dirty="0">
                 <a:solidFill>
                   <a:srgbClr val="000000"/>
                 </a:solidFill>
@@ -17134,7 +17373,7 @@
               <a:t>	</a:t>
             </a:r>
             <a:r>
-              <a:rPr lang="fr-FR" sz="1400" b="1" dirty="0">
+              <a:rPr lang="fr-FR" sz="1600" b="1" dirty="0">
                 <a:solidFill>
                   <a:srgbClr val="000000"/>
                 </a:solidFill>
@@ -17144,7 +17383,7 @@
               <a:t>A5.1 :</a:t>
             </a:r>
             <a:r>
-              <a:rPr lang="fr-FR" sz="1400" dirty="0">
+              <a:rPr lang="fr-FR" sz="1600" dirty="0">
                 <a:solidFill>
                   <a:srgbClr val="000000"/>
                 </a:solidFill>
@@ -17176,7 +17415,7 @@
               </a:defRPr>
             </a:pPr>
             <a:r>
-              <a:rPr lang="fr-FR" sz="1400" dirty="0">
+              <a:rPr lang="fr-FR" sz="1600" dirty="0">
                 <a:solidFill>
                   <a:srgbClr val="000000"/>
                 </a:solidFill>
@@ -17186,7 +17425,7 @@
               <a:t>	</a:t>
             </a:r>
             <a:r>
-              <a:rPr lang="fr-FR" sz="1400" b="1" dirty="0">
+              <a:rPr lang="fr-FR" sz="1600" b="1" dirty="0">
                 <a:solidFill>
                   <a:srgbClr val="000000"/>
                 </a:solidFill>
@@ -17196,7 +17435,7 @@
               <a:t>A5.2 :</a:t>
             </a:r>
             <a:r>
-              <a:rPr lang="fr-FR" sz="1400" dirty="0">
+              <a:rPr lang="fr-FR" sz="1600" dirty="0">
                 <a:solidFill>
                   <a:srgbClr val="000000"/>
                 </a:solidFill>
@@ -17227,7 +17466,7 @@
                 <a:cs typeface="FreeSans" pitchFamily="2"/>
               </a:defRPr>
             </a:pPr>
-            <a:endParaRPr lang="fr-FR" sz="1400" dirty="0">
+            <a:endParaRPr lang="fr-FR" sz="1600" dirty="0">
               <a:solidFill>
                 <a:srgbClr val="000000"/>
               </a:solidFill>
@@ -17256,7 +17495,7 @@
                 <a:cs typeface="FreeSans" pitchFamily="2"/>
               </a:defRPr>
             </a:pPr>
-            <a:endParaRPr lang="fr-FR" sz="1400" dirty="0">
+            <a:endParaRPr lang="fr-FR" sz="1600" dirty="0">
               <a:solidFill>
                 <a:srgbClr val="000000"/>
               </a:solidFill>
@@ -17286,7 +17525,7 @@
               </a:defRPr>
             </a:pPr>
             <a:r>
-              <a:rPr lang="fr-FR" sz="1600" b="1" dirty="0">
+              <a:rPr lang="fr-FR" sz="1800" b="1" dirty="0">
                 <a:solidFill>
                   <a:srgbClr val="000000"/>
                 </a:solidFill>
@@ -17318,7 +17557,7 @@
               </a:defRPr>
             </a:pPr>
             <a:r>
-              <a:rPr lang="fr-FR" sz="1400" dirty="0">
+              <a:rPr lang="fr-FR" sz="1600" dirty="0">
                 <a:solidFill>
                   <a:srgbClr val="000000"/>
                 </a:solidFill>
@@ -17328,7 +17567,7 @@
               <a:t>    </a:t>
             </a:r>
             <a:r>
-              <a:rPr lang="fr-FR" sz="1400" b="1" dirty="0">
+              <a:rPr lang="fr-FR" sz="1600" b="1" dirty="0">
                 <a:solidFill>
                   <a:srgbClr val="000000"/>
                 </a:solidFill>
@@ -17338,7 +17577,7 @@
               <a:t>E1 :</a:t>
             </a:r>
             <a:r>
-              <a:rPr lang="fr-FR" sz="1400" dirty="0">
+              <a:rPr lang="fr-FR" sz="1600" dirty="0">
                 <a:solidFill>
                   <a:srgbClr val="000000"/>
                 </a:solidFill>
@@ -17370,7 +17609,7 @@
               </a:defRPr>
             </a:pPr>
             <a:r>
-              <a:rPr lang="fr-FR" sz="1400" dirty="0">
+              <a:rPr lang="fr-FR" sz="1600" dirty="0">
                 <a:solidFill>
                   <a:srgbClr val="000000"/>
                 </a:solidFill>
@@ -17402,7 +17641,7 @@
               </a:defRPr>
             </a:pPr>
             <a:r>
-              <a:rPr lang="fr-FR" sz="1400" dirty="0">
+              <a:rPr lang="fr-FR" sz="1600" dirty="0">
                 <a:solidFill>
                   <a:srgbClr val="000000"/>
                 </a:solidFill>
@@ -17416,30 +17655,7 @@
             <a:pPr marL="0" indent="0">
               <a:buNone/>
             </a:pPr>
-            <a:endParaRPr lang="fr-FR" sz="2400" dirty="0"/>
-          </a:p>
-        </p:txBody>
-      </p:sp>
-      <p:sp>
-        <p:nvSpPr>
-          <p:cNvPr id="5" name="Espace réservé de la date 4"/>
-          <p:cNvSpPr>
-            <a:spLocks noGrp="1"/>
-          </p:cNvSpPr>
-          <p:nvPr>
-            <p:ph type="dt" sz="half" idx="10"/>
-          </p:nvPr>
-        </p:nvSpPr>
-        <p:spPr/>
-        <p:txBody>
-          <a:bodyPr/>
-          <a:lstStyle/>
-          <a:p>
-            <a:fld id="{6E297C13-8A02-476A-BC32-9713B4BAFEC7}" type="datetime1">
-              <a:rPr lang="fr-FR" smtClean="0"/>
-              <a:t>22/10/2017</a:t>
-            </a:fld>
-            <a:endParaRPr lang="fr-FR"/>
+            <a:endParaRPr lang="fr-FR" sz="2800" dirty="0"/>
           </a:p>
         </p:txBody>
       </p:sp>
@@ -17527,6 +17743,10 @@
               <a:rPr lang="fr-FR" dirty="0"/>
               <a:t>Acheter un PACK</a:t>
             </a:r>
+            <a:r>
+              <a:rPr lang="fr-FR" sz="4000" dirty="0"/>
+              <a:t/>
+            </a:r>
             <a:br>
               <a:rPr lang="fr-FR" sz="4000" dirty="0"/>
             </a:br>
@@ -17565,29 +17785,6 @@
           </a:xfrm>
         </p:spPr>
       </p:pic>
-      <p:sp>
-        <p:nvSpPr>
-          <p:cNvPr id="4" name="Espace réservé de la date 3"/>
-          <p:cNvSpPr>
-            <a:spLocks noGrp="1"/>
-          </p:cNvSpPr>
-          <p:nvPr>
-            <p:ph type="dt" sz="half" idx="10"/>
-          </p:nvPr>
-        </p:nvSpPr>
-        <p:spPr/>
-        <p:txBody>
-          <a:bodyPr/>
-          <a:lstStyle/>
-          <a:p>
-            <a:fld id="{8D8251DC-D010-4512-9E64-0AD1A731F3B7}" type="datetime1">
-              <a:rPr lang="fr-FR" smtClean="0"/>
-              <a:t>22/10/2017</a:t>
-            </a:fld>
-            <a:endParaRPr lang="fr-FR"/>
-          </a:p>
-        </p:txBody>
-      </p:sp>
       <p:sp>
         <p:nvSpPr>
           <p:cNvPr id="5" name="Espace réservé du numéro de diapositive 4"/>

--- a/presentation/présentation2.pptx
+++ b/presentation/présentation2.pptx
@@ -219,7 +219,7 @@
           <a:p>
             <a:fld id="{09F55BE7-0936-42BD-88DD-8E631A439134}" type="datetimeFigureOut">
               <a:rPr lang="fr-FR" smtClean="0"/>
-              <a:t>23/10/2017</a:t>
+              <a:t>24/10/2017</a:t>
             </a:fld>
             <a:endParaRPr lang="fr-FR"/>
           </a:p>
@@ -1867,7 +1867,7 @@
           <a:p>
             <a:fld id="{928C480C-42B4-41D8-A3D6-452CDB332997}" type="datetime1">
               <a:rPr lang="fr-FR" smtClean="0"/>
-              <a:t>23/10/2017</a:t>
+              <a:t>24/10/2017</a:t>
             </a:fld>
             <a:endParaRPr lang="fr-FR"/>
           </a:p>
@@ -2108,7 +2108,7 @@
           <a:p>
             <a:fld id="{13767B45-522B-4748-B914-2B18B43BE4BB}" type="datetime1">
               <a:rPr lang="fr-FR" smtClean="0"/>
-              <a:t>23/10/2017</a:t>
+              <a:t>24/10/2017</a:t>
             </a:fld>
             <a:endParaRPr lang="fr-FR"/>
           </a:p>
@@ -2288,7 +2288,7 @@
           <a:p>
             <a:fld id="{FB1E6605-5F39-42D9-BFB7-73F60E0E7D37}" type="datetime1">
               <a:rPr lang="fr-FR" smtClean="0"/>
-              <a:t>23/10/2017</a:t>
+              <a:t>24/10/2017</a:t>
             </a:fld>
             <a:endParaRPr lang="fr-FR"/>
           </a:p>
@@ -2462,7 +2462,7 @@
           <a:p>
             <a:fld id="{EA571A62-358B-40F8-8499-C2158B5F29CA}" type="datetime1">
               <a:rPr lang="fr-FR" smtClean="0"/>
-              <a:t>23/10/2017</a:t>
+              <a:t>24/10/2017</a:t>
             </a:fld>
             <a:endParaRPr lang="fr-FR"/>
           </a:p>
@@ -2735,7 +2735,7 @@
           <a:p>
             <a:fld id="{AC2FD5E1-B14A-401C-9A70-F68EE4CA8F24}" type="datetime1">
               <a:rPr lang="fr-FR" smtClean="0"/>
-              <a:t>23/10/2017</a:t>
+              <a:t>24/10/2017</a:t>
             </a:fld>
             <a:endParaRPr lang="fr-FR"/>
           </a:p>
@@ -3936,7 +3936,7 @@
           <a:p>
             <a:fld id="{0F459E98-D4BE-4F4B-9F55-83F8B386F349}" type="datetime1">
               <a:rPr lang="fr-FR" smtClean="0"/>
-              <a:t>23/10/2017</a:t>
+              <a:t>24/10/2017</a:t>
             </a:fld>
             <a:endParaRPr lang="fr-FR"/>
           </a:p>
@@ -4326,7 +4326,7 @@
           <a:p>
             <a:fld id="{A6D526EC-BFA0-42FA-9E82-A8F342311A69}" type="datetime1">
               <a:rPr lang="fr-FR" smtClean="0"/>
-              <a:t>23/10/2017</a:t>
+              <a:t>24/10/2017</a:t>
             </a:fld>
             <a:endParaRPr lang="fr-FR"/>
           </a:p>
@@ -4449,7 +4449,7 @@
           <a:p>
             <a:fld id="{FA8B02AF-23A7-4516-BCB5-E40DAE4D00A2}" type="datetime1">
               <a:rPr lang="fr-FR" smtClean="0"/>
-              <a:t>23/10/2017</a:t>
+              <a:t>24/10/2017</a:t>
             </a:fld>
             <a:endParaRPr lang="fr-FR"/>
           </a:p>
@@ -4544,7 +4544,7 @@
           <a:p>
             <a:fld id="{A323DD85-1E5C-4180-BD94-E1100E90D2BE}" type="datetime1">
               <a:rPr lang="fr-FR" smtClean="0"/>
-              <a:t>23/10/2017</a:t>
+              <a:t>24/10/2017</a:t>
             </a:fld>
             <a:endParaRPr lang="fr-FR"/>
           </a:p>
@@ -5307,7 +5307,7 @@
           <a:p>
             <a:fld id="{2DB145C5-7543-4B85-B23C-42E9A101AE64}" type="datetime1">
               <a:rPr lang="fr-FR" smtClean="0"/>
-              <a:t>23/10/2017</a:t>
+              <a:t>24/10/2017</a:t>
             </a:fld>
             <a:endParaRPr lang="fr-FR"/>
           </a:p>
@@ -6147,7 +6147,7 @@
           <a:p>
             <a:fld id="{B2F0FF46-99E8-4536-AC0B-304A455973B5}" type="datetime1">
               <a:rPr lang="fr-FR" smtClean="0"/>
-              <a:t>23/10/2017</a:t>
+              <a:t>24/10/2017</a:t>
             </a:fld>
             <a:endParaRPr lang="fr-FR"/>
           </a:p>
@@ -6374,7 +6374,7 @@
           <a:p>
             <a:fld id="{E71FA04E-3D9F-4673-83B1-1B012F0D0CBB}" type="datetime1">
               <a:rPr lang="fr-FR" smtClean="0"/>
-              <a:t>23/10/2017</a:t>
+              <a:t>24/10/2017</a:t>
             </a:fld>
             <a:endParaRPr lang="fr-FR"/>
           </a:p>
@@ -7407,7 +7407,7 @@
           <p:cNvPr id="3" name="Sous-titre 2">
             <a:extLst>
               <a:ext uri="{FF2B5EF4-FFF2-40B4-BE49-F238E27FC236}">
-                <a16:creationId xmlns="" xmlns:a16="http://schemas.microsoft.com/office/drawing/2014/main" id="{AF37375B-B60F-425C-BFFC-82940BA07C51}"/>
+                <a16:creationId xmlns:a16="http://schemas.microsoft.com/office/drawing/2014/main" xmlns="" id="{AF37375B-B60F-425C-BFFC-82940BA07C51}"/>
               </a:ext>
             </a:extLst>
           </p:cNvPr>
@@ -7460,7 +7460,7 @@
           <p:cNvPr id="8" name="Espace réservé du numéro de diapositive 7">
             <a:extLst>
               <a:ext uri="{FF2B5EF4-FFF2-40B4-BE49-F238E27FC236}">
-                <a16:creationId xmlns="" xmlns:a16="http://schemas.microsoft.com/office/drawing/2014/main" id="{40F2CCAF-6658-4659-9A16-029471F4CBEA}"/>
+                <a16:creationId xmlns:a16="http://schemas.microsoft.com/office/drawing/2014/main" xmlns="" id="{40F2CCAF-6658-4659-9A16-029471F4CBEA}"/>
               </a:ext>
             </a:extLst>
           </p:cNvPr>
@@ -7489,7 +7489,7 @@
           <p:cNvPr id="5" name="ZoneTexte 4">
             <a:extLst>
               <a:ext uri="{FF2B5EF4-FFF2-40B4-BE49-F238E27FC236}">
-                <a16:creationId xmlns="" xmlns:a16="http://schemas.microsoft.com/office/drawing/2014/main" id="{EFC1A2BF-93E2-4C32-95F8-0C7116221A83}"/>
+                <a16:creationId xmlns:a16="http://schemas.microsoft.com/office/drawing/2014/main" xmlns="" id="{EFC1A2BF-93E2-4C32-95F8-0C7116221A83}"/>
               </a:ext>
             </a:extLst>
           </p:cNvPr>
@@ -7528,7 +7528,7 @@
           <p:cNvPr id="6" name="Sous-titre 2">
             <a:extLst>
               <a:ext uri="{FF2B5EF4-FFF2-40B4-BE49-F238E27FC236}">
-                <a16:creationId xmlns="" xmlns:a16="http://schemas.microsoft.com/office/drawing/2014/main" id="{0697245A-1669-415C-A066-5404AB58FDC2}"/>
+                <a16:creationId xmlns:a16="http://schemas.microsoft.com/office/drawing/2014/main" xmlns="" id="{0697245A-1669-415C-A066-5404AB58FDC2}"/>
               </a:ext>
             </a:extLst>
           </p:cNvPr>
@@ -7799,7 +7799,7 @@
           <p:cNvPr id="10" name="Image 9">
             <a:extLst>
               <a:ext uri="{FF2B5EF4-FFF2-40B4-BE49-F238E27FC236}">
-                <a16:creationId xmlns="" xmlns:a16="http://schemas.microsoft.com/office/drawing/2014/main" id="{57EB7689-8413-4700-8170-1D2FACAADF73}"/>
+                <a16:creationId xmlns:a16="http://schemas.microsoft.com/office/drawing/2014/main" xmlns="" id="{57EB7689-8413-4700-8170-1D2FACAADF73}"/>
               </a:ext>
             </a:extLst>
           </p:cNvPr>
@@ -7835,7 +7835,7 @@
           <p:cNvPr id="4" name="ZoneTexte 3">
             <a:extLst>
               <a:ext uri="{FF2B5EF4-FFF2-40B4-BE49-F238E27FC236}">
-                <a16:creationId xmlns="" xmlns:a16="http://schemas.microsoft.com/office/drawing/2014/main" id="{A9717AD7-8629-4224-B8C1-B278C271AA50}"/>
+                <a16:creationId xmlns:a16="http://schemas.microsoft.com/office/drawing/2014/main" xmlns="" id="{A9717AD7-8629-4224-B8C1-B278C271AA50}"/>
               </a:ext>
             </a:extLst>
           </p:cNvPr>
@@ -12388,7 +12388,7 @@
           <p:cNvPr id="4" name="Espace réservé du contenu 3">
             <a:extLst>
               <a:ext uri="{FF2B5EF4-FFF2-40B4-BE49-F238E27FC236}">
-                <a16:creationId xmlns="" xmlns:a16="http://schemas.microsoft.com/office/drawing/2014/main" id="{780974CA-2D62-4A2E-A8D1-4A049B27A9CF}"/>
+                <a16:creationId xmlns:a16="http://schemas.microsoft.com/office/drawing/2014/main" xmlns="" id="{780974CA-2D62-4A2E-A8D1-4A049B27A9CF}"/>
               </a:ext>
             </a:extLst>
           </p:cNvPr>
@@ -12989,6 +12989,54 @@
           </a:xfrm>
         </p:spPr>
       </p:pic>
+      <p:sp>
+        <p:nvSpPr>
+          <p:cNvPr id="4" name="Rectangle 3"/>
+          <p:cNvSpPr/>
+          <p:nvPr/>
+        </p:nvSpPr>
+        <p:spPr>
+          <a:xfrm>
+            <a:off x="3098042" y="1678676"/>
+            <a:ext cx="254758" cy="113730"/>
+          </a:xfrm>
+          <a:prstGeom prst="rect">
+            <a:avLst/>
+          </a:prstGeom>
+          <a:solidFill>
+            <a:srgbClr val="E1EBF5"/>
+          </a:solidFill>
+          <a:ln>
+            <a:solidFill>
+              <a:srgbClr val="E1EBF5"/>
+            </a:solidFill>
+          </a:ln>
+        </p:spPr>
+        <p:style>
+          <a:lnRef idx="2">
+            <a:schemeClr val="accent1">
+              <a:shade val="50000"/>
+            </a:schemeClr>
+          </a:lnRef>
+          <a:fillRef idx="1">
+            <a:schemeClr val="accent1"/>
+          </a:fillRef>
+          <a:effectRef idx="0">
+            <a:schemeClr val="accent1"/>
+          </a:effectRef>
+          <a:fontRef idx="minor">
+            <a:schemeClr val="lt1"/>
+          </a:fontRef>
+        </p:style>
+        <p:txBody>
+          <a:bodyPr rtlCol="0" anchor="ctr"/>
+          <a:lstStyle/>
+          <a:p>
+            <a:pPr algn="ctr"/>
+            <a:endParaRPr lang="fr-FR"/>
+          </a:p>
+        </p:txBody>
+      </p:sp>
     </p:spTree>
     <p:extLst>
       <p:ext uri="{BB962C8B-B14F-4D97-AF65-F5344CB8AC3E}">
@@ -13724,8 +13772,23 @@
                 </a:solidFill>
                 <a:latin typeface="Liberation Sans"/>
               </a:rPr>
-              <a:t>TV03: Détruire une carte</a:t>
-            </a:r>
+              <a:t>TV03: Détruire une </a:t>
+            </a:r>
+            <a:r>
+              <a:rPr lang="fr-FR" sz="1600" b="1" dirty="0" smtClean="0">
+                <a:solidFill>
+                  <a:schemeClr val="tx1"/>
+                </a:solidFill>
+                <a:latin typeface="Liberation Sans"/>
+              </a:rPr>
+              <a:t>carte rare</a:t>
+            </a:r>
+            <a:endParaRPr lang="fr-FR" sz="1600" b="1" dirty="0">
+              <a:solidFill>
+                <a:schemeClr val="tx1"/>
+              </a:solidFill>
+              <a:latin typeface="Liberation Sans"/>
+            </a:endParaRPr>
           </a:p>
           <a:p>
             <a:pPr marL="0" indent="0">
@@ -13987,7 +14050,52 @@
                 </a:solidFill>
                 <a:latin typeface="Liberation Sans"/>
               </a:rPr>
-              <a:t>TV04: Détruire une carte</a:t>
+              <a:t>TV04: </a:t>
+            </a:r>
+            <a:r>
+              <a:rPr lang="fr-FR" sz="1600" b="1" dirty="0" smtClean="0">
+                <a:solidFill>
+                  <a:schemeClr val="tx1"/>
+                </a:solidFill>
+                <a:latin typeface="Liberation Sans"/>
+              </a:rPr>
+              <a:t>Annuler </a:t>
+            </a:r>
+            <a:r>
+              <a:rPr lang="fr-FR" sz="1600" b="1" smtClean="0">
+                <a:solidFill>
+                  <a:schemeClr val="tx1"/>
+                </a:solidFill>
+                <a:latin typeface="Liberation Sans"/>
+              </a:rPr>
+              <a:t>la destruction </a:t>
+            </a:r>
+            <a:r>
+              <a:rPr lang="fr-FR" sz="1600" b="1" dirty="0" smtClean="0">
+                <a:solidFill>
+                  <a:schemeClr val="tx1"/>
+                </a:solidFill>
+                <a:latin typeface="Liberation Sans"/>
+              </a:rPr>
+              <a:t>d’une carte</a:t>
+            </a:r>
+            <a:r>
+              <a:rPr lang="fr-FR" sz="1600" b="1" dirty="0" smtClean="0">
+                <a:solidFill>
+                  <a:schemeClr val="tx1"/>
+                </a:solidFill>
+                <a:latin typeface="Liberation Sans"/>
+              </a:rPr>
+              <a:t> </a:t>
+            </a:r>
+            <a:r>
+              <a:rPr lang="fr-FR" sz="1600" b="1" dirty="0">
+                <a:solidFill>
+                  <a:schemeClr val="tx1"/>
+                </a:solidFill>
+                <a:latin typeface="Liberation Sans"/>
+              </a:rPr>
+              <a:t>une carte</a:t>
             </a:r>
           </a:p>
           <a:p>
@@ -14365,7 +14473,7 @@
           <p:cNvPr id="2" name="Titre 1">
             <a:extLst>
               <a:ext uri="{FF2B5EF4-FFF2-40B4-BE49-F238E27FC236}">
-                <a16:creationId xmlns="" xmlns:a16="http://schemas.microsoft.com/office/drawing/2014/main" id="{7985DEC1-3319-4242-A9FD-D8C4CB35A6FF}"/>
+                <a16:creationId xmlns:a16="http://schemas.microsoft.com/office/drawing/2014/main" xmlns="" id="{7985DEC1-3319-4242-A9FD-D8C4CB35A6FF}"/>
               </a:ext>
             </a:extLst>
           </p:cNvPr>
@@ -14399,7 +14507,7 @@
           <p:cNvPr id="3" name="Espace réservé du contenu 2">
             <a:extLst>
               <a:ext uri="{FF2B5EF4-FFF2-40B4-BE49-F238E27FC236}">
-                <a16:creationId xmlns="" xmlns:a16="http://schemas.microsoft.com/office/drawing/2014/main" id="{D851DD03-D7A3-4FEE-9006-66F178B8C905}"/>
+                <a16:creationId xmlns:a16="http://schemas.microsoft.com/office/drawing/2014/main" xmlns="" id="{D851DD03-D7A3-4FEE-9006-66F178B8C905}"/>
               </a:ext>
             </a:extLst>
           </p:cNvPr>
@@ -14482,7 +14590,7 @@
           <p:cNvPr id="5" name="Espace réservé du numéro de diapositive 4">
             <a:extLst>
               <a:ext uri="{FF2B5EF4-FFF2-40B4-BE49-F238E27FC236}">
-                <a16:creationId xmlns="" xmlns:a16="http://schemas.microsoft.com/office/drawing/2014/main" id="{3EE8D88A-5E44-4EBA-9D23-CB2F4C5B9529}"/>
+                <a16:creationId xmlns:a16="http://schemas.microsoft.com/office/drawing/2014/main" xmlns="" id="{3EE8D88A-5E44-4EBA-9D23-CB2F4C5B9529}"/>
               </a:ext>
             </a:extLst>
           </p:cNvPr>
@@ -14511,7 +14619,7 @@
           <p:cNvPr id="7" name="Image 6">
             <a:extLst>
               <a:ext uri="{FF2B5EF4-FFF2-40B4-BE49-F238E27FC236}">
-                <a16:creationId xmlns="" xmlns:a16="http://schemas.microsoft.com/office/drawing/2014/main" id="{873E4D9F-9DB9-4C6B-A8AA-862697D33619}"/>
+                <a16:creationId xmlns:a16="http://schemas.microsoft.com/office/drawing/2014/main" xmlns="" id="{873E4D9F-9DB9-4C6B-A8AA-862697D33619}"/>
               </a:ext>
             </a:extLst>
           </p:cNvPr>
@@ -14547,7 +14655,7 @@
           <p:cNvPr id="8" name="Image 7">
             <a:extLst>
               <a:ext uri="{FF2B5EF4-FFF2-40B4-BE49-F238E27FC236}">
-                <a16:creationId xmlns="" xmlns:a16="http://schemas.microsoft.com/office/drawing/2014/main" id="{98E59CCB-E449-4BD0-8755-D44D248C0BA2}"/>
+                <a16:creationId xmlns:a16="http://schemas.microsoft.com/office/drawing/2014/main" xmlns="" id="{98E59CCB-E449-4BD0-8755-D44D248C0BA2}"/>
               </a:ext>
             </a:extLst>
           </p:cNvPr>
@@ -14613,7 +14721,7 @@
           <p:cNvPr id="2" name="Titre 1">
             <a:extLst>
               <a:ext uri="{FF2B5EF4-FFF2-40B4-BE49-F238E27FC236}">
-                <a16:creationId xmlns="" xmlns:a16="http://schemas.microsoft.com/office/drawing/2014/main" id="{6248055D-4222-4B28-8965-524DD130BD5D}"/>
+                <a16:creationId xmlns:a16="http://schemas.microsoft.com/office/drawing/2014/main" xmlns="" id="{6248055D-4222-4B28-8965-524DD130BD5D}"/>
               </a:ext>
             </a:extLst>
           </p:cNvPr>
@@ -14642,7 +14750,7 @@
           <p:cNvPr id="3" name="Espace réservé du contenu 2">
             <a:extLst>
               <a:ext uri="{FF2B5EF4-FFF2-40B4-BE49-F238E27FC236}">
-                <a16:creationId xmlns="" xmlns:a16="http://schemas.microsoft.com/office/drawing/2014/main" id="{ABFB1D10-460E-4B72-A2D7-327D884B547E}"/>
+                <a16:creationId xmlns:a16="http://schemas.microsoft.com/office/drawing/2014/main" xmlns="" id="{ABFB1D10-460E-4B72-A2D7-327D884B547E}"/>
               </a:ext>
             </a:extLst>
           </p:cNvPr>
@@ -14778,7 +14886,7 @@
           <p:cNvPr id="5" name="Espace réservé du numéro de diapositive 4">
             <a:extLst>
               <a:ext uri="{FF2B5EF4-FFF2-40B4-BE49-F238E27FC236}">
-                <a16:creationId xmlns="" xmlns:a16="http://schemas.microsoft.com/office/drawing/2014/main" id="{E5D6EF64-3541-4C0B-896C-0CEE3F1675E2}"/>
+                <a16:creationId xmlns:a16="http://schemas.microsoft.com/office/drawing/2014/main" xmlns="" id="{E5D6EF64-3541-4C0B-896C-0CEE3F1675E2}"/>
               </a:ext>
             </a:extLst>
           </p:cNvPr>
@@ -14837,7 +14945,7 @@
           <p:cNvPr id="8" name="Image 7">
             <a:extLst>
               <a:ext uri="{FF2B5EF4-FFF2-40B4-BE49-F238E27FC236}">
-                <a16:creationId xmlns="" xmlns:a16="http://schemas.microsoft.com/office/drawing/2014/main" id="{B226CC4E-CB5F-4374-A97F-1965E2C9EA3E}"/>
+                <a16:creationId xmlns:a16="http://schemas.microsoft.com/office/drawing/2014/main" xmlns="" id="{B226CC4E-CB5F-4374-A97F-1965E2C9EA3E}"/>
               </a:ext>
             </a:extLst>
           </p:cNvPr>
@@ -14874,7 +14982,7 @@
           <p:cNvPr id="10" name="Image 9">
             <a:extLst>
               <a:ext uri="{FF2B5EF4-FFF2-40B4-BE49-F238E27FC236}">
-                <a16:creationId xmlns="" xmlns:a16="http://schemas.microsoft.com/office/drawing/2014/main" id="{BB2E8091-8EB3-4221-BFB9-041C9215354A}"/>
+                <a16:creationId xmlns:a16="http://schemas.microsoft.com/office/drawing/2014/main" xmlns="" id="{BB2E8091-8EB3-4221-BFB9-041C9215354A}"/>
               </a:ext>
             </a:extLst>
           </p:cNvPr>
@@ -14910,7 +15018,7 @@
           <p:cNvPr id="12" name="Image 11">
             <a:extLst>
               <a:ext uri="{FF2B5EF4-FFF2-40B4-BE49-F238E27FC236}">
-                <a16:creationId xmlns="" xmlns:a16="http://schemas.microsoft.com/office/drawing/2014/main" id="{4973C571-4CB8-488C-8CCE-D917BA349D43}"/>
+                <a16:creationId xmlns:a16="http://schemas.microsoft.com/office/drawing/2014/main" xmlns="" id="{4973C571-4CB8-488C-8CCE-D917BA349D43}"/>
               </a:ext>
             </a:extLst>
           </p:cNvPr>
@@ -14976,7 +15084,7 @@
           <p:cNvPr id="2" name="Titre 1">
             <a:extLst>
               <a:ext uri="{FF2B5EF4-FFF2-40B4-BE49-F238E27FC236}">
-                <a16:creationId xmlns="" xmlns:a16="http://schemas.microsoft.com/office/drawing/2014/main" id="{69B219DF-0987-4F02-8EE2-2B9D41AEF4A0}"/>
+                <a16:creationId xmlns:a16="http://schemas.microsoft.com/office/drawing/2014/main" xmlns="" id="{69B219DF-0987-4F02-8EE2-2B9D41AEF4A0}"/>
               </a:ext>
             </a:extLst>
           </p:cNvPr>
@@ -15012,7 +15120,7 @@
           <p:cNvPr id="5" name="Espace réservé du numéro de diapositive 4">
             <a:extLst>
               <a:ext uri="{FF2B5EF4-FFF2-40B4-BE49-F238E27FC236}">
-                <a16:creationId xmlns="" xmlns:a16="http://schemas.microsoft.com/office/drawing/2014/main" id="{91A88B43-B845-422F-9A99-B82D3165EBBD}"/>
+                <a16:creationId xmlns:a16="http://schemas.microsoft.com/office/drawing/2014/main" xmlns="" id="{91A88B43-B845-422F-9A99-B82D3165EBBD}"/>
               </a:ext>
             </a:extLst>
           </p:cNvPr>
@@ -15041,7 +15149,7 @@
           <p:cNvPr id="15" name="Espace réservé du contenu 14">
             <a:extLst>
               <a:ext uri="{FF2B5EF4-FFF2-40B4-BE49-F238E27FC236}">
-                <a16:creationId xmlns="" xmlns:a16="http://schemas.microsoft.com/office/drawing/2014/main" id="{ABFBFD79-6105-4CC8-A734-ABC364FFCC88}"/>
+                <a16:creationId xmlns:a16="http://schemas.microsoft.com/office/drawing/2014/main" xmlns="" id="{ABFBFD79-6105-4CC8-A734-ABC364FFCC88}"/>
               </a:ext>
             </a:extLst>
           </p:cNvPr>
@@ -15110,7 +15218,7 @@
           <p:cNvPr id="17" name="Image 16">
             <a:extLst>
               <a:ext uri="{FF2B5EF4-FFF2-40B4-BE49-F238E27FC236}">
-                <a16:creationId xmlns="" xmlns:a16="http://schemas.microsoft.com/office/drawing/2014/main" id="{61B9EC13-2B51-447A-BE77-BF1852137B1F}"/>
+                <a16:creationId xmlns:a16="http://schemas.microsoft.com/office/drawing/2014/main" xmlns="" id="{61B9EC13-2B51-447A-BE77-BF1852137B1F}"/>
               </a:ext>
             </a:extLst>
           </p:cNvPr>
@@ -15254,7 +15362,7 @@
           <p:cNvPr id="13" name="Espace réservé du contenu 12">
             <a:extLst>
               <a:ext uri="{FF2B5EF4-FFF2-40B4-BE49-F238E27FC236}">
-                <a16:creationId xmlns="" xmlns:a16="http://schemas.microsoft.com/office/drawing/2014/main" id="{80A0C2FC-C8B8-45CD-83C7-802D50CAD58B}"/>
+                <a16:creationId xmlns:a16="http://schemas.microsoft.com/office/drawing/2014/main" xmlns="" id="{80A0C2FC-C8B8-45CD-83C7-802D50CAD58B}"/>
               </a:ext>
             </a:extLst>
           </p:cNvPr>
@@ -15366,7 +15474,7 @@
           <p:cNvPr id="15" name="Espace réservé du contenu 14">
             <a:extLst>
               <a:ext uri="{FF2B5EF4-FFF2-40B4-BE49-F238E27FC236}">
-                <a16:creationId xmlns="" xmlns:a16="http://schemas.microsoft.com/office/drawing/2014/main" id="{F5C26E6C-2A4F-4833-B00B-A39314C231C0}"/>
+                <a16:creationId xmlns:a16="http://schemas.microsoft.com/office/drawing/2014/main" xmlns="" id="{F5C26E6C-2A4F-4833-B00B-A39314C231C0}"/>
               </a:ext>
             </a:extLst>
           </p:cNvPr>
